--- a/poster.pptx
+++ b/poster.pptx
@@ -5,11 +5,12 @@
     <p:sldMasterId id="2147483648" r:id="rId1"/>
   </p:sldMasterIdLst>
   <p:notesMasterIdLst>
-    <p:notesMasterId r:id="rId4"/>
+    <p:notesMasterId r:id="rId5"/>
   </p:notesMasterIdLst>
   <p:sldIdLst>
     <p:sldId id="328" r:id="rId2"/>
     <p:sldId id="329" r:id="rId3"/>
+    <p:sldId id="330" r:id="rId4"/>
   </p:sldIdLst>
   <p:sldSz cx="9144000" cy="6858000" type="screen4x3"/>
   <p:notesSz cx="6858000" cy="9144000"/>
@@ -194,7 +195,7 @@
             <a:fld id="{3A717201-49CA-46AE-A68E-D969A1D8D135}" type="datetimeFigureOut">
               <a:rPr lang="zh-CN" altLang="en-US" smtClean="0"/>
               <a:pPr/>
-              <a:t>2016-10-8</a:t>
+              <a:t>2016-10-9</a:t>
             </a:fld>
             <a:endParaRPr lang="zh-CN" altLang="en-US"/>
           </a:p>
@@ -642,7 +643,7 @@
             <a:fld id="{7CDCBD02-D446-496C-BEC0-2B552561EEEE}" type="datetimeFigureOut">
               <a:rPr lang="zh-CN" altLang="en-US" smtClean="0"/>
               <a:pPr/>
-              <a:t>2016-10-8</a:t>
+              <a:t>2016-10-9</a:t>
             </a:fld>
             <a:endParaRPr lang="zh-CN" altLang="en-US"/>
           </a:p>
@@ -809,7 +810,7 @@
             <a:fld id="{7CDCBD02-D446-496C-BEC0-2B552561EEEE}" type="datetimeFigureOut">
               <a:rPr lang="zh-CN" altLang="en-US" smtClean="0"/>
               <a:pPr/>
-              <a:t>2016-10-8</a:t>
+              <a:t>2016-10-9</a:t>
             </a:fld>
             <a:endParaRPr lang="zh-CN" altLang="en-US"/>
           </a:p>
@@ -986,7 +987,7 @@
             <a:fld id="{7CDCBD02-D446-496C-BEC0-2B552561EEEE}" type="datetimeFigureOut">
               <a:rPr lang="zh-CN" altLang="en-US" smtClean="0"/>
               <a:pPr/>
-              <a:t>2016-10-8</a:t>
+              <a:t>2016-10-9</a:t>
             </a:fld>
             <a:endParaRPr lang="zh-CN" altLang="en-US"/>
           </a:p>
@@ -1153,7 +1154,7 @@
             <a:fld id="{7CDCBD02-D446-496C-BEC0-2B552561EEEE}" type="datetimeFigureOut">
               <a:rPr lang="zh-CN" altLang="en-US" smtClean="0"/>
               <a:pPr/>
-              <a:t>2016-10-8</a:t>
+              <a:t>2016-10-9</a:t>
             </a:fld>
             <a:endParaRPr lang="zh-CN" altLang="en-US"/>
           </a:p>
@@ -1396,7 +1397,7 @@
             <a:fld id="{7CDCBD02-D446-496C-BEC0-2B552561EEEE}" type="datetimeFigureOut">
               <a:rPr lang="zh-CN" altLang="en-US" smtClean="0"/>
               <a:pPr/>
-              <a:t>2016-10-8</a:t>
+              <a:t>2016-10-9</a:t>
             </a:fld>
             <a:endParaRPr lang="zh-CN" altLang="en-US"/>
           </a:p>
@@ -1681,7 +1682,7 @@
             <a:fld id="{7CDCBD02-D446-496C-BEC0-2B552561EEEE}" type="datetimeFigureOut">
               <a:rPr lang="zh-CN" altLang="en-US" smtClean="0"/>
               <a:pPr/>
-              <a:t>2016-10-8</a:t>
+              <a:t>2016-10-9</a:t>
             </a:fld>
             <a:endParaRPr lang="zh-CN" altLang="en-US"/>
           </a:p>
@@ -2100,7 +2101,7 @@
             <a:fld id="{7CDCBD02-D446-496C-BEC0-2B552561EEEE}" type="datetimeFigureOut">
               <a:rPr lang="zh-CN" altLang="en-US" smtClean="0"/>
               <a:pPr/>
-              <a:t>2016-10-8</a:t>
+              <a:t>2016-10-9</a:t>
             </a:fld>
             <a:endParaRPr lang="zh-CN" altLang="en-US"/>
           </a:p>
@@ -2215,7 +2216,7 @@
             <a:fld id="{7CDCBD02-D446-496C-BEC0-2B552561EEEE}" type="datetimeFigureOut">
               <a:rPr lang="zh-CN" altLang="en-US" smtClean="0"/>
               <a:pPr/>
-              <a:t>2016-10-8</a:t>
+              <a:t>2016-10-9</a:t>
             </a:fld>
             <a:endParaRPr lang="zh-CN" altLang="en-US"/>
           </a:p>
@@ -2307,7 +2308,7 @@
             <a:fld id="{7CDCBD02-D446-496C-BEC0-2B552561EEEE}" type="datetimeFigureOut">
               <a:rPr lang="zh-CN" altLang="en-US" smtClean="0"/>
               <a:pPr/>
-              <a:t>2016-10-8</a:t>
+              <a:t>2016-10-9</a:t>
             </a:fld>
             <a:endParaRPr lang="zh-CN" altLang="en-US"/>
           </a:p>
@@ -2581,7 +2582,7 @@
             <a:fld id="{7CDCBD02-D446-496C-BEC0-2B552561EEEE}" type="datetimeFigureOut">
               <a:rPr lang="zh-CN" altLang="en-US" smtClean="0"/>
               <a:pPr/>
-              <a:t>2016-10-8</a:t>
+              <a:t>2016-10-9</a:t>
             </a:fld>
             <a:endParaRPr lang="zh-CN" altLang="en-US"/>
           </a:p>
@@ -2831,7 +2832,7 @@
             <a:fld id="{7CDCBD02-D446-496C-BEC0-2B552561EEEE}" type="datetimeFigureOut">
               <a:rPr lang="zh-CN" altLang="en-US" smtClean="0"/>
               <a:pPr/>
-              <a:t>2016-10-8</a:t>
+              <a:t>2016-10-9</a:t>
             </a:fld>
             <a:endParaRPr lang="zh-CN" altLang="en-US"/>
           </a:p>
@@ -3041,7 +3042,7 @@
             <a:fld id="{7CDCBD02-D446-496C-BEC0-2B552561EEEE}" type="datetimeFigureOut">
               <a:rPr lang="zh-CN" altLang="en-US" smtClean="0"/>
               <a:pPr/>
-              <a:t>2016-10-8</a:t>
+              <a:t>2016-10-9</a:t>
             </a:fld>
             <a:endParaRPr lang="zh-CN" altLang="en-US"/>
           </a:p>
@@ -3434,8 +3435,8 @@
         </p:nvSpPr>
         <p:spPr>
           <a:xfrm>
-            <a:off x="539552" y="1340768"/>
-            <a:ext cx="5328592" cy="2160240"/>
+            <a:off x="0" y="1196752"/>
+            <a:ext cx="6588224" cy="3096344"/>
           </a:xfrm>
           <a:prstGeom prst="rect">
             <a:avLst/>
@@ -3485,7 +3486,7 @@
         </p:nvSpPr>
         <p:spPr>
           <a:xfrm>
-            <a:off x="899592" y="1556792"/>
+            <a:off x="755576" y="1556792"/>
             <a:ext cx="2952328" cy="830997"/>
           </a:xfrm>
           <a:prstGeom prst="rect">
@@ -3527,8 +3528,8 @@
         </p:nvCxnSpPr>
         <p:spPr>
           <a:xfrm>
-            <a:off x="971600" y="2420888"/>
-            <a:ext cx="2520280" cy="0"/>
+            <a:off x="827584" y="2924944"/>
+            <a:ext cx="3528392" cy="0"/>
           </a:xfrm>
           <a:prstGeom prst="line">
             <a:avLst/>
@@ -3562,7 +3563,7 @@
         </p:nvSpPr>
         <p:spPr>
           <a:xfrm>
-            <a:off x="899592" y="2524834"/>
+            <a:off x="755576" y="2420888"/>
             <a:ext cx="4176464" cy="400110"/>
           </a:xfrm>
           <a:prstGeom prst="rect">
@@ -3598,7 +3599,69 @@
       </p:sp>
       <p:sp>
         <p:nvSpPr>
-          <p:cNvPr id="16" name="椭圆 15"/>
+          <p:cNvPr id="29" name="TextBox 28"/>
+          <p:cNvSpPr txBox="1"/>
+          <p:nvPr/>
+        </p:nvSpPr>
+        <p:spPr>
+          <a:xfrm>
+            <a:off x="755576" y="3615407"/>
+            <a:ext cx="5184576" cy="461665"/>
+          </a:xfrm>
+          <a:prstGeom prst="rect">
+            <a:avLst/>
+          </a:prstGeom>
+          <a:noFill/>
+        </p:spPr>
+        <p:txBody>
+          <a:bodyPr wrap="square" rtlCol="0">
+            <a:spAutoFit/>
+          </a:bodyPr>
+          <a:lstStyle/>
+          <a:p>
+            <a:r>
+              <a:rPr lang="zh-CN" altLang="en-US" dirty="0" smtClean="0">
+                <a:solidFill>
+                  <a:schemeClr val="bg1"/>
+                </a:solidFill>
+                <a:latin typeface="微软雅黑" pitchFamily="34" charset="-122"/>
+                <a:ea typeface="微软雅黑" pitchFamily="34" charset="-122"/>
+              </a:rPr>
+              <a:t>邀请您与公司智能家居产品总监</a:t>
+            </a:r>
+            <a:r>
+              <a:rPr lang="zh-CN" altLang="en-US" sz="2400" dirty="0" smtClean="0">
+                <a:solidFill>
+                  <a:srgbClr val="FFFF00"/>
+                </a:solidFill>
+                <a:latin typeface="微软雅黑" pitchFamily="34" charset="-122"/>
+                <a:ea typeface="微软雅黑" pitchFamily="34" charset="-122"/>
+              </a:rPr>
+              <a:t>彭凯</a:t>
+            </a:r>
+            <a:r>
+              <a:rPr lang="zh-CN" altLang="en-US" dirty="0" smtClean="0">
+                <a:solidFill>
+                  <a:schemeClr val="bg1"/>
+                </a:solidFill>
+                <a:latin typeface="微软雅黑" pitchFamily="34" charset="-122"/>
+                <a:ea typeface="微软雅黑" pitchFamily="34" charset="-122"/>
+              </a:rPr>
+              <a:t>面对面交流！</a:t>
+            </a:r>
+            <a:endParaRPr lang="zh-CN" altLang="en-US" dirty="0">
+              <a:solidFill>
+                <a:schemeClr val="bg1"/>
+              </a:solidFill>
+              <a:latin typeface="幼圆" pitchFamily="49" charset="-122"/>
+              <a:ea typeface="幼圆" pitchFamily="49" charset="-122"/>
+            </a:endParaRPr>
+          </a:p>
+        </p:txBody>
+      </p:sp>
+      <p:sp>
+        <p:nvSpPr>
+          <p:cNvPr id="37" name="椭圆 36"/>
           <p:cNvSpPr>
             <a:spLocks noChangeAspect="1"/>
           </p:cNvSpPr>
@@ -3606,8 +3669,984 @@
         </p:nvSpPr>
         <p:spPr bwMode="auto">
           <a:xfrm>
-            <a:off x="4572000" y="5824428"/>
-            <a:ext cx="792724" cy="792088"/>
+            <a:off x="5436906" y="6020998"/>
+            <a:ext cx="648882" cy="648361"/>
+          </a:xfrm>
+          <a:prstGeom prst="ellipse">
+            <a:avLst/>
+          </a:prstGeom>
+          <a:gradFill>
+            <a:gsLst>
+              <a:gs pos="0">
+                <a:schemeClr val="bg1"/>
+              </a:gs>
+              <a:gs pos="63000">
+                <a:schemeClr val="bg1">
+                  <a:lumMod val="85000"/>
+                </a:schemeClr>
+              </a:gs>
+              <a:gs pos="100000">
+                <a:schemeClr val="bg1">
+                  <a:lumMod val="75000"/>
+                </a:schemeClr>
+              </a:gs>
+            </a:gsLst>
+            <a:lin ang="8100000" scaled="0"/>
+          </a:gradFill>
+          <a:ln w="25400" cap="flat" cmpd="sng" algn="ctr">
+            <a:gradFill>
+              <a:gsLst>
+                <a:gs pos="0">
+                  <a:schemeClr val="bg1">
+                    <a:lumMod val="95000"/>
+                    <a:alpha val="99000"/>
+                  </a:schemeClr>
+                </a:gs>
+                <a:gs pos="50000">
+                  <a:schemeClr val="bg1">
+                    <a:lumMod val="95000"/>
+                  </a:schemeClr>
+                </a:gs>
+                <a:gs pos="100000">
+                  <a:schemeClr val="bg1">
+                    <a:lumMod val="85000"/>
+                  </a:schemeClr>
+                </a:gs>
+              </a:gsLst>
+              <a:lin ang="2700000" scaled="0"/>
+            </a:gradFill>
+            <a:prstDash val="solid"/>
+            <a:round/>
+            <a:headEnd type="none" w="med" len="med"/>
+            <a:tailEnd type="none" w="med" len="med"/>
+          </a:ln>
+          <a:effectLst>
+            <a:outerShdw blurRad="50800" dist="38100" dir="2700000" algn="tl" rotWithShape="0">
+              <a:prstClr val="black">
+                <a:alpha val="40000"/>
+              </a:prstClr>
+            </a:outerShdw>
+          </a:effectLst>
+        </p:spPr>
+        <p:txBody>
+          <a:bodyPr vert="horz" wrap="square" lIns="91440" tIns="45720" rIns="91440" bIns="45720" numCol="1" rtlCol="0" anchor="t" anchorCtr="0" compatLnSpc="1">
+            <a:prstTxWarp prst="textNoShape">
+              <a:avLst/>
+            </a:prstTxWarp>
+          </a:bodyPr>
+          <a:lstStyle/>
+          <a:p>
+            <a:pPr marL="0" marR="0" indent="0" algn="l" defTabSz="457200" rtl="0" eaLnBrk="1" fontAlgn="base" latinLnBrk="0" hangingPunct="1">
+              <a:lnSpc>
+                <a:spcPct val="100000"/>
+              </a:lnSpc>
+              <a:spcBef>
+                <a:spcPct val="0"/>
+              </a:spcBef>
+              <a:spcAft>
+                <a:spcPct val="0"/>
+              </a:spcAft>
+              <a:buClrTx/>
+              <a:buSzTx/>
+              <a:buFont typeface="Arial" pitchFamily="34" charset="0"/>
+              <a:buNone/>
+              <a:tabLst/>
+            </a:pPr>
+            <a:r>
+              <a:rPr lang="zh-CN" altLang="en-US" sz="2000" dirty="0" smtClean="0">
+                <a:latin typeface="微软雅黑" pitchFamily="34" charset="-122"/>
+                <a:ea typeface="微软雅黑" pitchFamily="34" charset="-122"/>
+                <a:cs typeface="Arial" pitchFamily="34" charset="0"/>
+              </a:rPr>
+              <a:t>新</a:t>
+            </a:r>
+            <a:endParaRPr kumimoji="0" lang="zh-CN" altLang="en-US" sz="2000" b="0" i="0" u="none" strike="noStrike" cap="none" normalizeH="0" baseline="0" dirty="0" smtClean="0">
+              <a:ln>
+                <a:noFill/>
+              </a:ln>
+              <a:solidFill>
+                <a:schemeClr val="tx1"/>
+              </a:solidFill>
+              <a:effectLst/>
+              <a:latin typeface="微软雅黑" pitchFamily="34" charset="-122"/>
+              <a:ea typeface="微软雅黑" pitchFamily="34" charset="-122"/>
+              <a:cs typeface="Arial" pitchFamily="34" charset="0"/>
+            </a:endParaRPr>
+          </a:p>
+        </p:txBody>
+      </p:sp>
+      <p:sp>
+        <p:nvSpPr>
+          <p:cNvPr id="38" name="椭圆 37"/>
+          <p:cNvSpPr>
+            <a:spLocks noChangeAspect="1"/>
+          </p:cNvSpPr>
+          <p:nvPr/>
+        </p:nvSpPr>
+        <p:spPr bwMode="auto">
+          <a:xfrm>
+            <a:off x="6156176" y="6021288"/>
+            <a:ext cx="648882" cy="648361"/>
+          </a:xfrm>
+          <a:prstGeom prst="ellipse">
+            <a:avLst/>
+          </a:prstGeom>
+          <a:gradFill>
+            <a:gsLst>
+              <a:gs pos="0">
+                <a:schemeClr val="bg1"/>
+              </a:gs>
+              <a:gs pos="63000">
+                <a:schemeClr val="bg1">
+                  <a:lumMod val="85000"/>
+                </a:schemeClr>
+              </a:gs>
+              <a:gs pos="100000">
+                <a:schemeClr val="bg1">
+                  <a:lumMod val="75000"/>
+                </a:schemeClr>
+              </a:gs>
+            </a:gsLst>
+            <a:lin ang="8100000" scaled="0"/>
+          </a:gradFill>
+          <a:ln w="25400" cap="flat" cmpd="sng" algn="ctr">
+            <a:gradFill>
+              <a:gsLst>
+                <a:gs pos="0">
+                  <a:schemeClr val="bg1">
+                    <a:lumMod val="95000"/>
+                    <a:alpha val="99000"/>
+                  </a:schemeClr>
+                </a:gs>
+                <a:gs pos="50000">
+                  <a:schemeClr val="bg1">
+                    <a:lumMod val="95000"/>
+                  </a:schemeClr>
+                </a:gs>
+                <a:gs pos="100000">
+                  <a:schemeClr val="bg1">
+                    <a:lumMod val="85000"/>
+                  </a:schemeClr>
+                </a:gs>
+              </a:gsLst>
+              <a:lin ang="2700000" scaled="0"/>
+            </a:gradFill>
+            <a:prstDash val="solid"/>
+            <a:round/>
+            <a:headEnd type="none" w="med" len="med"/>
+            <a:tailEnd type="none" w="med" len="med"/>
+          </a:ln>
+          <a:effectLst>
+            <a:outerShdw blurRad="50800" dist="38100" dir="2700000" algn="tl" rotWithShape="0">
+              <a:prstClr val="black">
+                <a:alpha val="40000"/>
+              </a:prstClr>
+            </a:outerShdw>
+          </a:effectLst>
+        </p:spPr>
+        <p:txBody>
+          <a:bodyPr vert="horz" wrap="square" lIns="91440" tIns="45720" rIns="91440" bIns="45720" numCol="1" rtlCol="0" anchor="t" anchorCtr="0" compatLnSpc="1">
+            <a:prstTxWarp prst="textNoShape">
+              <a:avLst/>
+            </a:prstTxWarp>
+          </a:bodyPr>
+          <a:lstStyle/>
+          <a:p>
+            <a:pPr marL="0" marR="0" indent="0" algn="l" defTabSz="457200" rtl="0" eaLnBrk="1" fontAlgn="base" latinLnBrk="0" hangingPunct="1">
+              <a:lnSpc>
+                <a:spcPct val="100000"/>
+              </a:lnSpc>
+              <a:spcBef>
+                <a:spcPct val="0"/>
+              </a:spcBef>
+              <a:spcAft>
+                <a:spcPct val="0"/>
+              </a:spcAft>
+              <a:buClrTx/>
+              <a:buSzTx/>
+              <a:buFont typeface="Arial" pitchFamily="34" charset="0"/>
+              <a:buNone/>
+              <a:tabLst/>
+            </a:pPr>
+            <a:r>
+              <a:rPr kumimoji="0" lang="zh-CN" altLang="en-US" sz="2000" b="0" i="0" u="none" strike="noStrike" cap="none" normalizeH="0" baseline="0" dirty="0" smtClean="0">
+                <a:ln>
+                  <a:noFill/>
+                </a:ln>
+                <a:solidFill>
+                  <a:schemeClr val="tx1"/>
+                </a:solidFill>
+                <a:effectLst/>
+                <a:latin typeface="微软雅黑" pitchFamily="34" charset="-122"/>
+                <a:ea typeface="微软雅黑" pitchFamily="34" charset="-122"/>
+                <a:cs typeface="Arial" pitchFamily="34" charset="0"/>
+              </a:rPr>
+              <a:t>技</a:t>
+            </a:r>
+          </a:p>
+        </p:txBody>
+      </p:sp>
+      <p:sp>
+        <p:nvSpPr>
+          <p:cNvPr id="39" name="椭圆 38"/>
+          <p:cNvSpPr>
+            <a:spLocks noChangeAspect="1"/>
+          </p:cNvSpPr>
+          <p:nvPr/>
+        </p:nvSpPr>
+        <p:spPr bwMode="auto">
+          <a:xfrm>
+            <a:off x="6876256" y="6021288"/>
+            <a:ext cx="648882" cy="648361"/>
+          </a:xfrm>
+          <a:prstGeom prst="ellipse">
+            <a:avLst/>
+          </a:prstGeom>
+          <a:gradFill>
+            <a:gsLst>
+              <a:gs pos="0">
+                <a:schemeClr val="bg1"/>
+              </a:gs>
+              <a:gs pos="63000">
+                <a:schemeClr val="bg1">
+                  <a:lumMod val="85000"/>
+                </a:schemeClr>
+              </a:gs>
+              <a:gs pos="100000">
+                <a:schemeClr val="bg1">
+                  <a:lumMod val="75000"/>
+                </a:schemeClr>
+              </a:gs>
+            </a:gsLst>
+            <a:lin ang="8100000" scaled="0"/>
+          </a:gradFill>
+          <a:ln w="25400" cap="flat" cmpd="sng" algn="ctr">
+            <a:gradFill>
+              <a:gsLst>
+                <a:gs pos="0">
+                  <a:schemeClr val="bg1">
+                    <a:lumMod val="95000"/>
+                    <a:alpha val="99000"/>
+                  </a:schemeClr>
+                </a:gs>
+                <a:gs pos="50000">
+                  <a:schemeClr val="bg1">
+                    <a:lumMod val="95000"/>
+                  </a:schemeClr>
+                </a:gs>
+                <a:gs pos="100000">
+                  <a:schemeClr val="bg1">
+                    <a:lumMod val="85000"/>
+                  </a:schemeClr>
+                </a:gs>
+              </a:gsLst>
+              <a:lin ang="2700000" scaled="0"/>
+            </a:gradFill>
+            <a:prstDash val="solid"/>
+            <a:round/>
+            <a:headEnd type="none" w="med" len="med"/>
+            <a:tailEnd type="none" w="med" len="med"/>
+          </a:ln>
+          <a:effectLst>
+            <a:outerShdw blurRad="50800" dist="38100" dir="2700000" algn="tl" rotWithShape="0">
+              <a:prstClr val="black">
+                <a:alpha val="40000"/>
+              </a:prstClr>
+            </a:outerShdw>
+          </a:effectLst>
+        </p:spPr>
+        <p:txBody>
+          <a:bodyPr vert="horz" wrap="square" lIns="91440" tIns="45720" rIns="91440" bIns="45720" numCol="1" rtlCol="0" anchor="t" anchorCtr="0" compatLnSpc="1">
+            <a:prstTxWarp prst="textNoShape">
+              <a:avLst/>
+            </a:prstTxWarp>
+          </a:bodyPr>
+          <a:lstStyle/>
+          <a:p>
+            <a:pPr marL="0" marR="0" indent="0" algn="l" defTabSz="457200" rtl="0" eaLnBrk="1" fontAlgn="base" latinLnBrk="0" hangingPunct="1">
+              <a:lnSpc>
+                <a:spcPct val="100000"/>
+              </a:lnSpc>
+              <a:spcBef>
+                <a:spcPct val="0"/>
+              </a:spcBef>
+              <a:spcAft>
+                <a:spcPct val="0"/>
+              </a:spcAft>
+              <a:buClrTx/>
+              <a:buSzTx/>
+              <a:buFont typeface="Arial" pitchFamily="34" charset="0"/>
+              <a:buNone/>
+              <a:tabLst/>
+            </a:pPr>
+            <a:r>
+              <a:rPr kumimoji="0" lang="zh-CN" altLang="en-US" sz="2000" b="0" i="0" u="none" strike="noStrike" cap="none" normalizeH="0" baseline="0" dirty="0" smtClean="0">
+                <a:ln>
+                  <a:noFill/>
+                </a:ln>
+                <a:solidFill>
+                  <a:schemeClr val="tx1"/>
+                </a:solidFill>
+                <a:effectLst/>
+                <a:latin typeface="微软雅黑" pitchFamily="34" charset="-122"/>
+                <a:ea typeface="微软雅黑" pitchFamily="34" charset="-122"/>
+                <a:cs typeface="Arial" pitchFamily="34" charset="0"/>
+              </a:rPr>
+              <a:t>术</a:t>
+            </a:r>
+          </a:p>
+        </p:txBody>
+      </p:sp>
+      <p:sp>
+        <p:nvSpPr>
+          <p:cNvPr id="40" name="椭圆 39"/>
+          <p:cNvSpPr>
+            <a:spLocks noChangeAspect="1"/>
+          </p:cNvSpPr>
+          <p:nvPr/>
+        </p:nvSpPr>
+        <p:spPr bwMode="auto">
+          <a:xfrm>
+            <a:off x="7596336" y="6021288"/>
+            <a:ext cx="648882" cy="648361"/>
+          </a:xfrm>
+          <a:prstGeom prst="ellipse">
+            <a:avLst/>
+          </a:prstGeom>
+          <a:gradFill>
+            <a:gsLst>
+              <a:gs pos="0">
+                <a:schemeClr val="bg1"/>
+              </a:gs>
+              <a:gs pos="63000">
+                <a:schemeClr val="bg1">
+                  <a:lumMod val="85000"/>
+                </a:schemeClr>
+              </a:gs>
+              <a:gs pos="100000">
+                <a:schemeClr val="bg1">
+                  <a:lumMod val="75000"/>
+                </a:schemeClr>
+              </a:gs>
+            </a:gsLst>
+            <a:lin ang="8100000" scaled="0"/>
+          </a:gradFill>
+          <a:ln w="25400" cap="flat" cmpd="sng" algn="ctr">
+            <a:gradFill>
+              <a:gsLst>
+                <a:gs pos="0">
+                  <a:schemeClr val="bg1">
+                    <a:lumMod val="95000"/>
+                    <a:alpha val="99000"/>
+                  </a:schemeClr>
+                </a:gs>
+                <a:gs pos="50000">
+                  <a:schemeClr val="bg1">
+                    <a:lumMod val="95000"/>
+                  </a:schemeClr>
+                </a:gs>
+                <a:gs pos="100000">
+                  <a:schemeClr val="bg1">
+                    <a:lumMod val="85000"/>
+                  </a:schemeClr>
+                </a:gs>
+              </a:gsLst>
+              <a:lin ang="2700000" scaled="0"/>
+            </a:gradFill>
+            <a:prstDash val="solid"/>
+            <a:round/>
+            <a:headEnd type="none" w="med" len="med"/>
+            <a:tailEnd type="none" w="med" len="med"/>
+          </a:ln>
+          <a:effectLst>
+            <a:outerShdw blurRad="50800" dist="38100" dir="2700000" algn="tl" rotWithShape="0">
+              <a:prstClr val="black">
+                <a:alpha val="40000"/>
+              </a:prstClr>
+            </a:outerShdw>
+          </a:effectLst>
+        </p:spPr>
+        <p:txBody>
+          <a:bodyPr vert="horz" wrap="square" lIns="91440" tIns="45720" rIns="91440" bIns="45720" numCol="1" rtlCol="0" anchor="t" anchorCtr="0" compatLnSpc="1">
+            <a:prstTxWarp prst="textNoShape">
+              <a:avLst/>
+            </a:prstTxWarp>
+          </a:bodyPr>
+          <a:lstStyle/>
+          <a:p>
+            <a:pPr marL="0" marR="0" indent="0" algn="l" defTabSz="457200" rtl="0" eaLnBrk="1" fontAlgn="base" latinLnBrk="0" hangingPunct="1">
+              <a:lnSpc>
+                <a:spcPct val="100000"/>
+              </a:lnSpc>
+              <a:spcBef>
+                <a:spcPct val="0"/>
+              </a:spcBef>
+              <a:spcAft>
+                <a:spcPct val="0"/>
+              </a:spcAft>
+              <a:buClrTx/>
+              <a:buSzTx/>
+              <a:buFont typeface="Arial" pitchFamily="34" charset="0"/>
+              <a:buNone/>
+              <a:tabLst/>
+            </a:pPr>
+            <a:r>
+              <a:rPr kumimoji="0" lang="zh-CN" altLang="en-US" sz="2000" b="0" i="0" u="none" strike="noStrike" cap="none" normalizeH="0" baseline="0" dirty="0" smtClean="0">
+                <a:ln>
+                  <a:noFill/>
+                </a:ln>
+                <a:solidFill>
+                  <a:schemeClr val="tx1"/>
+                </a:solidFill>
+                <a:effectLst/>
+                <a:latin typeface="微软雅黑" pitchFamily="34" charset="-122"/>
+                <a:ea typeface="微软雅黑" pitchFamily="34" charset="-122"/>
+                <a:cs typeface="Arial" pitchFamily="34" charset="0"/>
+              </a:rPr>
+              <a:t>讲</a:t>
+            </a:r>
+          </a:p>
+        </p:txBody>
+      </p:sp>
+      <p:sp>
+        <p:nvSpPr>
+          <p:cNvPr id="41" name="椭圆 40"/>
+          <p:cNvSpPr>
+            <a:spLocks noChangeAspect="1"/>
+          </p:cNvSpPr>
+          <p:nvPr/>
+        </p:nvSpPr>
+        <p:spPr bwMode="auto">
+          <a:xfrm>
+            <a:off x="8316416" y="6021288"/>
+            <a:ext cx="648882" cy="648361"/>
+          </a:xfrm>
+          <a:prstGeom prst="ellipse">
+            <a:avLst/>
+          </a:prstGeom>
+          <a:gradFill>
+            <a:gsLst>
+              <a:gs pos="0">
+                <a:schemeClr val="bg1"/>
+              </a:gs>
+              <a:gs pos="63000">
+                <a:schemeClr val="bg1">
+                  <a:lumMod val="85000"/>
+                </a:schemeClr>
+              </a:gs>
+              <a:gs pos="100000">
+                <a:schemeClr val="bg1">
+                  <a:lumMod val="75000"/>
+                </a:schemeClr>
+              </a:gs>
+            </a:gsLst>
+            <a:lin ang="8100000" scaled="0"/>
+          </a:gradFill>
+          <a:ln w="25400" cap="flat" cmpd="sng" algn="ctr">
+            <a:gradFill>
+              <a:gsLst>
+                <a:gs pos="0">
+                  <a:schemeClr val="bg1">
+                    <a:lumMod val="95000"/>
+                    <a:alpha val="99000"/>
+                  </a:schemeClr>
+                </a:gs>
+                <a:gs pos="50000">
+                  <a:schemeClr val="bg1">
+                    <a:lumMod val="95000"/>
+                  </a:schemeClr>
+                </a:gs>
+                <a:gs pos="100000">
+                  <a:schemeClr val="bg1">
+                    <a:lumMod val="85000"/>
+                  </a:schemeClr>
+                </a:gs>
+              </a:gsLst>
+              <a:lin ang="2700000" scaled="0"/>
+            </a:gradFill>
+            <a:prstDash val="solid"/>
+            <a:round/>
+            <a:headEnd type="none" w="med" len="med"/>
+            <a:tailEnd type="none" w="med" len="med"/>
+          </a:ln>
+          <a:effectLst>
+            <a:outerShdw blurRad="50800" dist="38100" dir="2700000" algn="tl" rotWithShape="0">
+              <a:prstClr val="black">
+                <a:alpha val="40000"/>
+              </a:prstClr>
+            </a:outerShdw>
+          </a:effectLst>
+        </p:spPr>
+        <p:txBody>
+          <a:bodyPr vert="horz" wrap="square" lIns="91440" tIns="45720" rIns="91440" bIns="45720" numCol="1" rtlCol="0" anchor="t" anchorCtr="0" compatLnSpc="1">
+            <a:prstTxWarp prst="textNoShape">
+              <a:avLst/>
+            </a:prstTxWarp>
+          </a:bodyPr>
+          <a:lstStyle/>
+          <a:p>
+            <a:pPr marL="0" marR="0" indent="0" algn="l" defTabSz="457200" rtl="0" eaLnBrk="1" fontAlgn="base" latinLnBrk="0" hangingPunct="1">
+              <a:lnSpc>
+                <a:spcPct val="100000"/>
+              </a:lnSpc>
+              <a:spcBef>
+                <a:spcPct val="0"/>
+              </a:spcBef>
+              <a:spcAft>
+                <a:spcPct val="0"/>
+              </a:spcAft>
+              <a:buClrTx/>
+              <a:buSzTx/>
+              <a:buFont typeface="Arial" pitchFamily="34" charset="0"/>
+              <a:buNone/>
+              <a:tabLst/>
+            </a:pPr>
+            <a:r>
+              <a:rPr kumimoji="0" lang="zh-CN" altLang="en-US" sz="2000" b="0" i="0" u="none" strike="noStrike" cap="none" normalizeH="0" baseline="0" dirty="0" smtClean="0">
+                <a:ln>
+                  <a:noFill/>
+                </a:ln>
+                <a:solidFill>
+                  <a:schemeClr val="tx1"/>
+                </a:solidFill>
+                <a:effectLst/>
+                <a:latin typeface="微软雅黑" pitchFamily="34" charset="-122"/>
+                <a:ea typeface="微软雅黑" pitchFamily="34" charset="-122"/>
+                <a:cs typeface="Arial" pitchFamily="34" charset="0"/>
+              </a:rPr>
+              <a:t>堂</a:t>
+            </a:r>
+          </a:p>
+        </p:txBody>
+      </p:sp>
+      <p:sp>
+        <p:nvSpPr>
+          <p:cNvPr id="49" name="TextBox 48"/>
+          <p:cNvSpPr txBox="1"/>
+          <p:nvPr/>
+        </p:nvSpPr>
+        <p:spPr>
+          <a:xfrm>
+            <a:off x="755576" y="3172906"/>
+            <a:ext cx="4176464" cy="400110"/>
+          </a:xfrm>
+          <a:prstGeom prst="rect">
+            <a:avLst/>
+          </a:prstGeom>
+          <a:noFill/>
+        </p:spPr>
+        <p:txBody>
+          <a:bodyPr wrap="square" rtlCol="0">
+            <a:spAutoFit/>
+          </a:bodyPr>
+          <a:lstStyle/>
+          <a:p>
+            <a:r>
+              <a:rPr lang="en-US" altLang="zh-CN" sz="2000" dirty="0" smtClean="0">
+                <a:solidFill>
+                  <a:schemeClr val="bg1"/>
+                </a:solidFill>
+                <a:latin typeface="微软雅黑" pitchFamily="34" charset="-122"/>
+                <a:ea typeface="微软雅黑" pitchFamily="34" charset="-122"/>
+              </a:rPr>
+              <a:t>10</a:t>
+            </a:r>
+            <a:r>
+              <a:rPr lang="zh-CN" altLang="en-US" sz="2000" dirty="0" smtClean="0">
+                <a:solidFill>
+                  <a:schemeClr val="bg1"/>
+                </a:solidFill>
+                <a:latin typeface="微软雅黑" pitchFamily="34" charset="-122"/>
+                <a:ea typeface="微软雅黑" pitchFamily="34" charset="-122"/>
+              </a:rPr>
+              <a:t>月</a:t>
+            </a:r>
+            <a:r>
+              <a:rPr lang="en-US" altLang="zh-CN" sz="2000" dirty="0" smtClean="0">
+                <a:solidFill>
+                  <a:schemeClr val="bg1"/>
+                </a:solidFill>
+                <a:latin typeface="微软雅黑" pitchFamily="34" charset="-122"/>
+                <a:ea typeface="微软雅黑" pitchFamily="34" charset="-122"/>
+              </a:rPr>
+              <a:t>13</a:t>
+            </a:r>
+            <a:r>
+              <a:rPr lang="zh-CN" altLang="en-US" sz="2000" dirty="0" smtClean="0">
+                <a:solidFill>
+                  <a:schemeClr val="bg1"/>
+                </a:solidFill>
+                <a:latin typeface="微软雅黑" pitchFamily="34" charset="-122"/>
+                <a:ea typeface="微软雅黑" pitchFamily="34" charset="-122"/>
+              </a:rPr>
+              <a:t>日 </a:t>
+            </a:r>
+            <a:r>
+              <a:rPr lang="en-US" altLang="zh-CN" sz="2000" dirty="0" smtClean="0">
+                <a:solidFill>
+                  <a:schemeClr val="bg1"/>
+                </a:solidFill>
+                <a:latin typeface="微软雅黑" pitchFamily="34" charset="-122"/>
+                <a:ea typeface="微软雅黑" pitchFamily="34" charset="-122"/>
+              </a:rPr>
+              <a:t>14</a:t>
+            </a:r>
+            <a:r>
+              <a:rPr lang="zh-CN" altLang="en-US" sz="2000" dirty="0" smtClean="0">
+                <a:solidFill>
+                  <a:schemeClr val="bg1"/>
+                </a:solidFill>
+                <a:latin typeface="微软雅黑" pitchFamily="34" charset="-122"/>
+                <a:ea typeface="微软雅黑" pitchFamily="34" charset="-122"/>
+              </a:rPr>
+              <a:t>：</a:t>
+            </a:r>
+            <a:r>
+              <a:rPr lang="en-US" altLang="zh-CN" sz="2000" dirty="0" smtClean="0">
+                <a:solidFill>
+                  <a:schemeClr val="bg1"/>
+                </a:solidFill>
+                <a:latin typeface="微软雅黑" pitchFamily="34" charset="-122"/>
+                <a:ea typeface="微软雅黑" pitchFamily="34" charset="-122"/>
+              </a:rPr>
+              <a:t>00</a:t>
+            </a:r>
+            <a:r>
+              <a:rPr lang="zh-CN" altLang="en-US" sz="2000" dirty="0" smtClean="0">
+                <a:solidFill>
+                  <a:schemeClr val="bg1"/>
+                </a:solidFill>
+                <a:latin typeface="微软雅黑" pitchFamily="34" charset="-122"/>
+                <a:ea typeface="微软雅黑" pitchFamily="34" charset="-122"/>
+              </a:rPr>
+              <a:t>，</a:t>
+            </a:r>
+            <a:r>
+              <a:rPr lang="en-US" altLang="zh-CN" sz="2000" dirty="0" smtClean="0">
+                <a:solidFill>
+                  <a:schemeClr val="bg1"/>
+                </a:solidFill>
+                <a:latin typeface="微软雅黑" pitchFamily="34" charset="-122"/>
+                <a:ea typeface="微软雅黑" pitchFamily="34" charset="-122"/>
+              </a:rPr>
+              <a:t>3A5-9</a:t>
+            </a:r>
+            <a:endParaRPr lang="zh-CN" altLang="en-US" sz="2000" dirty="0">
+              <a:solidFill>
+                <a:schemeClr val="bg1"/>
+              </a:solidFill>
+              <a:latin typeface="微软雅黑" pitchFamily="34" charset="-122"/>
+              <a:ea typeface="微软雅黑" pitchFamily="34" charset="-122"/>
+            </a:endParaRPr>
+          </a:p>
+        </p:txBody>
+      </p:sp>
+    </p:spTree>
+  </p:cSld>
+  <p:clrMapOvr>
+    <a:masterClrMapping/>
+  </p:clrMapOvr>
+  <p:timing>
+    <p:tnLst>
+      <p:par>
+        <p:cTn id="1" dur="indefinite" restart="never" nodeType="tmRoot"/>
+      </p:par>
+    </p:tnLst>
+  </p:timing>
+</p:sld>
+</file>
+
+<file path=ppt/slides/slide2.xml><?xml version="1.0" encoding="utf-8"?>
+<p:sld xmlns:a="http://schemas.openxmlformats.org/drawingml/2006/main" xmlns:r="http://schemas.openxmlformats.org/officeDocument/2006/relationships" xmlns:p="http://schemas.openxmlformats.org/presentationml/2006/main">
+  <p:cSld>
+    <p:spTree>
+      <p:nvGrpSpPr>
+        <p:cNvPr id="1" name=""/>
+        <p:cNvGrpSpPr/>
+        <p:nvPr/>
+      </p:nvGrpSpPr>
+      <p:grpSpPr>
+        <a:xfrm>
+          <a:off x="0" y="0"/>
+          <a:ext cx="0" cy="0"/>
+          <a:chOff x="0" y="0"/>
+          <a:chExt cx="0" cy="0"/>
+        </a:xfrm>
+      </p:grpSpPr>
+      <p:sp>
+        <p:nvSpPr>
+          <p:cNvPr id="4" name="矩形 3"/>
+          <p:cNvSpPr>
+            <a:spLocks noChangeAspect="1"/>
+          </p:cNvSpPr>
+          <p:nvPr/>
+        </p:nvSpPr>
+        <p:spPr>
+          <a:xfrm>
+            <a:off x="0" y="0"/>
+            <a:ext cx="1728000" cy="1728000"/>
+          </a:xfrm>
+          <a:prstGeom prst="rect">
+            <a:avLst/>
+          </a:prstGeom>
+          <a:ln>
+            <a:noFill/>
+          </a:ln>
+        </p:spPr>
+        <p:style>
+          <a:lnRef idx="2">
+            <a:schemeClr val="accent1">
+              <a:shade val="50000"/>
+            </a:schemeClr>
+          </a:lnRef>
+          <a:fillRef idx="1">
+            <a:schemeClr val="accent1"/>
+          </a:fillRef>
+          <a:effectRef idx="0">
+            <a:schemeClr val="accent1"/>
+          </a:effectRef>
+          <a:fontRef idx="minor">
+            <a:schemeClr val="lt1"/>
+          </a:fontRef>
+        </p:style>
+        <p:txBody>
+          <a:bodyPr rtlCol="0" anchor="ctr"/>
+          <a:lstStyle/>
+          <a:p>
+            <a:pPr algn="ctr"/>
+            <a:endParaRPr lang="zh-CN" altLang="en-US"/>
+          </a:p>
+        </p:txBody>
+      </p:sp>
+      <p:sp>
+        <p:nvSpPr>
+          <p:cNvPr id="3" name="椭圆 2"/>
+          <p:cNvSpPr>
+            <a:spLocks noChangeAspect="1"/>
+          </p:cNvSpPr>
+          <p:nvPr/>
+        </p:nvSpPr>
+        <p:spPr bwMode="auto">
+          <a:xfrm>
+            <a:off x="4860032" y="3501008"/>
+            <a:ext cx="3043978" cy="3041535"/>
+          </a:xfrm>
+          <a:prstGeom prst="ellipse">
+            <a:avLst/>
+          </a:prstGeom>
+          <a:gradFill>
+            <a:gsLst>
+              <a:gs pos="0">
+                <a:schemeClr val="bg1"/>
+              </a:gs>
+              <a:gs pos="63000">
+                <a:schemeClr val="bg1">
+                  <a:lumMod val="85000"/>
+                </a:schemeClr>
+              </a:gs>
+              <a:gs pos="100000">
+                <a:schemeClr val="bg1">
+                  <a:lumMod val="75000"/>
+                </a:schemeClr>
+              </a:gs>
+            </a:gsLst>
+            <a:lin ang="8100000" scaled="0"/>
+          </a:gradFill>
+          <a:ln w="38100" cap="flat" cmpd="sng" algn="ctr">
+            <a:gradFill>
+              <a:gsLst>
+                <a:gs pos="0">
+                  <a:schemeClr val="bg1">
+                    <a:lumMod val="95000"/>
+                    <a:alpha val="99000"/>
+                  </a:schemeClr>
+                </a:gs>
+                <a:gs pos="50000">
+                  <a:schemeClr val="bg1">
+                    <a:lumMod val="95000"/>
+                  </a:schemeClr>
+                </a:gs>
+                <a:gs pos="100000">
+                  <a:schemeClr val="bg1">
+                    <a:lumMod val="85000"/>
+                  </a:schemeClr>
+                </a:gs>
+              </a:gsLst>
+              <a:lin ang="2700000" scaled="0"/>
+            </a:gradFill>
+            <a:prstDash val="solid"/>
+            <a:round/>
+            <a:headEnd type="none" w="med" len="med"/>
+            <a:tailEnd type="none" w="med" len="med"/>
+          </a:ln>
+          <a:effectLst>
+            <a:outerShdw blurRad="50800" dist="38100" dir="2700000" algn="tl" rotWithShape="0">
+              <a:prstClr val="black">
+                <a:alpha val="40000"/>
+              </a:prstClr>
+            </a:outerShdw>
+          </a:effectLst>
+        </p:spPr>
+        <p:txBody>
+          <a:bodyPr vert="horz" wrap="square" lIns="91440" tIns="45720" rIns="91440" bIns="45720" numCol="1" rtlCol="0" anchor="t" anchorCtr="0" compatLnSpc="1">
+            <a:prstTxWarp prst="textNoShape">
+              <a:avLst/>
+            </a:prstTxWarp>
+          </a:bodyPr>
+          <a:lstStyle/>
+          <a:p>
+            <a:pPr marL="0" marR="0" indent="0" algn="l" defTabSz="457200" rtl="0" eaLnBrk="1" fontAlgn="base" latinLnBrk="0" hangingPunct="1">
+              <a:lnSpc>
+                <a:spcPct val="100000"/>
+              </a:lnSpc>
+              <a:spcBef>
+                <a:spcPct val="0"/>
+              </a:spcBef>
+              <a:spcAft>
+                <a:spcPct val="0"/>
+              </a:spcAft>
+              <a:buClrTx/>
+              <a:buSzTx/>
+              <a:buFont typeface="Arial" pitchFamily="34" charset="0"/>
+              <a:buNone/>
+              <a:tabLst/>
+            </a:pPr>
+            <a:endParaRPr kumimoji="0" lang="zh-CN" altLang="en-US" sz="1800" b="0" i="0" u="none" strike="noStrike" cap="none" normalizeH="0" baseline="0" smtClean="0">
+              <a:ln>
+                <a:noFill/>
+              </a:ln>
+              <a:solidFill>
+                <a:schemeClr val="tx1"/>
+              </a:solidFill>
+              <a:effectLst/>
+              <a:latin typeface="Calibri" pitchFamily="34" charset="0"/>
+              <a:ea typeface="宋体" pitchFamily="2" charset="-122"/>
+              <a:cs typeface="Arial" pitchFamily="34" charset="0"/>
+            </a:endParaRPr>
+          </a:p>
+        </p:txBody>
+      </p:sp>
+      <p:sp>
+        <p:nvSpPr>
+          <p:cNvPr id="5" name="椭圆 4"/>
+          <p:cNvSpPr>
+            <a:spLocks noChangeAspect="1"/>
+          </p:cNvSpPr>
+          <p:nvPr/>
+        </p:nvSpPr>
+        <p:spPr bwMode="auto">
+          <a:xfrm>
+            <a:off x="1619672" y="4149080"/>
+            <a:ext cx="2376264" cy="2374357"/>
+          </a:xfrm>
+          <a:prstGeom prst="ellipse">
+            <a:avLst/>
+          </a:prstGeom>
+          <a:gradFill>
+            <a:gsLst>
+              <a:gs pos="0">
+                <a:schemeClr val="bg1"/>
+              </a:gs>
+              <a:gs pos="63000">
+                <a:schemeClr val="bg2">
+                  <a:lumMod val="20000"/>
+                  <a:lumOff val="80000"/>
+                </a:schemeClr>
+              </a:gs>
+              <a:gs pos="100000">
+                <a:schemeClr val="bg2">
+                  <a:lumMod val="20000"/>
+                  <a:lumOff val="80000"/>
+                </a:schemeClr>
+              </a:gs>
+            </a:gsLst>
+            <a:lin ang="8100000" scaled="0"/>
+          </a:gradFill>
+          <a:ln w="38100" cap="flat" cmpd="sng" algn="ctr">
+            <a:gradFill>
+              <a:gsLst>
+                <a:gs pos="0">
+                  <a:schemeClr val="bg1">
+                    <a:lumMod val="85000"/>
+                  </a:schemeClr>
+                </a:gs>
+                <a:gs pos="50000">
+                  <a:schemeClr val="bg1">
+                    <a:lumMod val="95000"/>
+                  </a:schemeClr>
+                </a:gs>
+                <a:gs pos="100000">
+                  <a:schemeClr val="bg1">
+                    <a:lumMod val="85000"/>
+                  </a:schemeClr>
+                </a:gs>
+              </a:gsLst>
+              <a:lin ang="2700000" scaled="0"/>
+            </a:gradFill>
+            <a:prstDash val="solid"/>
+            <a:round/>
+            <a:headEnd type="none" w="med" len="med"/>
+            <a:tailEnd type="none" w="med" len="med"/>
+          </a:ln>
+          <a:effectLst>
+            <a:outerShdw blurRad="50800" dist="38100" dir="2700000" algn="tl" rotWithShape="0">
+              <a:prstClr val="black">
+                <a:alpha val="40000"/>
+              </a:prstClr>
+            </a:outerShdw>
+          </a:effectLst>
+        </p:spPr>
+        <p:txBody>
+          <a:bodyPr vert="horz" wrap="square" lIns="91440" tIns="45720" rIns="91440" bIns="45720" numCol="1" rtlCol="0" anchor="t" anchorCtr="0" compatLnSpc="1">
+            <a:prstTxWarp prst="textNoShape">
+              <a:avLst/>
+            </a:prstTxWarp>
+          </a:bodyPr>
+          <a:lstStyle/>
+          <a:p>
+            <a:pPr marL="0" marR="0" indent="0" algn="l" defTabSz="457200" rtl="0" eaLnBrk="1" fontAlgn="base" latinLnBrk="0" hangingPunct="1">
+              <a:lnSpc>
+                <a:spcPct val="100000"/>
+              </a:lnSpc>
+              <a:spcBef>
+                <a:spcPct val="0"/>
+              </a:spcBef>
+              <a:spcAft>
+                <a:spcPct val="0"/>
+              </a:spcAft>
+              <a:buClrTx/>
+              <a:buSzTx/>
+              <a:buFont typeface="Arial" pitchFamily="34" charset="0"/>
+              <a:buNone/>
+              <a:tabLst/>
+            </a:pPr>
+            <a:endParaRPr kumimoji="0" lang="zh-CN" altLang="en-US" sz="1800" b="0" i="0" u="none" strike="noStrike" cap="none" normalizeH="0" baseline="0" smtClean="0">
+              <a:ln>
+                <a:noFill/>
+              </a:ln>
+              <a:solidFill>
+                <a:schemeClr val="tx1"/>
+              </a:solidFill>
+              <a:effectLst/>
+              <a:latin typeface="Calibri" pitchFamily="34" charset="0"/>
+              <a:ea typeface="宋体" pitchFamily="2" charset="-122"/>
+              <a:cs typeface="Arial" pitchFamily="34" charset="0"/>
+            </a:endParaRPr>
+          </a:p>
+        </p:txBody>
+      </p:sp>
+      <p:sp>
+        <p:nvSpPr>
+          <p:cNvPr id="6" name="椭圆 5"/>
+          <p:cNvSpPr>
+            <a:spLocks noChangeAspect="1"/>
+          </p:cNvSpPr>
+          <p:nvPr/>
+        </p:nvSpPr>
+        <p:spPr bwMode="auto">
+          <a:xfrm>
+            <a:off x="1907704" y="1700808"/>
+            <a:ext cx="2161975" cy="2160240"/>
           </a:xfrm>
           <a:prstGeom prst="ellipse">
             <a:avLst/>
@@ -3705,7 +4744,7 @@
       </p:sp>
       <p:sp>
         <p:nvSpPr>
-          <p:cNvPr id="18" name="椭圆 17"/>
+          <p:cNvPr id="7" name="椭圆 6"/>
           <p:cNvSpPr>
             <a:spLocks noChangeAspect="1"/>
           </p:cNvSpPr>
@@ -3713,8 +4752,702 @@
         </p:nvSpPr>
         <p:spPr bwMode="auto">
           <a:xfrm>
-            <a:off x="5436096" y="5824428"/>
-            <a:ext cx="792724" cy="792088"/>
+            <a:off x="5076056" y="980728"/>
+            <a:ext cx="2306105" cy="2304256"/>
+          </a:xfrm>
+          <a:prstGeom prst="ellipse">
+            <a:avLst/>
+          </a:prstGeom>
+          <a:gradFill>
+            <a:gsLst>
+              <a:gs pos="0">
+                <a:schemeClr val="bg1"/>
+              </a:gs>
+              <a:gs pos="63000">
+                <a:schemeClr val="bg2">
+                  <a:lumMod val="20000"/>
+                  <a:lumOff val="80000"/>
+                </a:schemeClr>
+              </a:gs>
+              <a:gs pos="100000">
+                <a:schemeClr val="bg2">
+                  <a:lumMod val="20000"/>
+                  <a:lumOff val="80000"/>
+                </a:schemeClr>
+              </a:gs>
+            </a:gsLst>
+            <a:lin ang="8100000" scaled="0"/>
+          </a:gradFill>
+          <a:ln w="38100" cap="flat" cmpd="sng" algn="ctr">
+            <a:gradFill>
+              <a:gsLst>
+                <a:gs pos="0">
+                  <a:schemeClr val="bg1">
+                    <a:lumMod val="85000"/>
+                  </a:schemeClr>
+                </a:gs>
+                <a:gs pos="50000">
+                  <a:schemeClr val="bg1">
+                    <a:lumMod val="95000"/>
+                  </a:schemeClr>
+                </a:gs>
+                <a:gs pos="100000">
+                  <a:schemeClr val="bg1">
+                    <a:lumMod val="85000"/>
+                  </a:schemeClr>
+                </a:gs>
+              </a:gsLst>
+              <a:lin ang="2700000" scaled="0"/>
+            </a:gradFill>
+            <a:prstDash val="solid"/>
+            <a:round/>
+            <a:headEnd type="none" w="med" len="med"/>
+            <a:tailEnd type="none" w="med" len="med"/>
+          </a:ln>
+          <a:effectLst>
+            <a:outerShdw blurRad="50800" dist="38100" dir="2700000" algn="tl" rotWithShape="0">
+              <a:prstClr val="black">
+                <a:alpha val="40000"/>
+              </a:prstClr>
+            </a:outerShdw>
+          </a:effectLst>
+        </p:spPr>
+        <p:txBody>
+          <a:bodyPr vert="horz" wrap="square" lIns="91440" tIns="45720" rIns="91440" bIns="45720" numCol="1" rtlCol="0" anchor="t" anchorCtr="0" compatLnSpc="1">
+            <a:prstTxWarp prst="textNoShape">
+              <a:avLst/>
+            </a:prstTxWarp>
+          </a:bodyPr>
+          <a:lstStyle/>
+          <a:p>
+            <a:pPr marL="0" marR="0" indent="0" algn="l" defTabSz="457200" rtl="0" eaLnBrk="1" fontAlgn="base" latinLnBrk="0" hangingPunct="1">
+              <a:lnSpc>
+                <a:spcPct val="100000"/>
+              </a:lnSpc>
+              <a:spcBef>
+                <a:spcPct val="0"/>
+              </a:spcBef>
+              <a:spcAft>
+                <a:spcPct val="0"/>
+              </a:spcAft>
+              <a:buClrTx/>
+              <a:buSzTx/>
+              <a:buFont typeface="Arial" pitchFamily="34" charset="0"/>
+              <a:buNone/>
+              <a:tabLst/>
+            </a:pPr>
+            <a:endParaRPr kumimoji="0" lang="zh-CN" altLang="en-US" sz="1800" b="0" i="0" u="none" strike="noStrike" cap="none" normalizeH="0" baseline="0" smtClean="0">
+              <a:ln>
+                <a:noFill/>
+              </a:ln>
+              <a:solidFill>
+                <a:schemeClr val="tx1"/>
+              </a:solidFill>
+              <a:effectLst/>
+              <a:latin typeface="Calibri" pitchFamily="34" charset="0"/>
+              <a:ea typeface="宋体" pitchFamily="2" charset="-122"/>
+              <a:cs typeface="Arial" pitchFamily="34" charset="0"/>
+            </a:endParaRPr>
+          </a:p>
+        </p:txBody>
+      </p:sp>
+    </p:spTree>
+  </p:cSld>
+  <p:clrMapOvr>
+    <a:masterClrMapping/>
+  </p:clrMapOvr>
+</p:sld>
+</file>
+
+<file path=ppt/slides/slide3.xml><?xml version="1.0" encoding="utf-8"?>
+<p:sld xmlns:a="http://schemas.openxmlformats.org/drawingml/2006/main" xmlns:r="http://schemas.openxmlformats.org/officeDocument/2006/relationships" xmlns:p="http://schemas.openxmlformats.org/presentationml/2006/main">
+  <p:cSld>
+    <p:spTree>
+      <p:nvGrpSpPr>
+        <p:cNvPr id="1" name=""/>
+        <p:cNvGrpSpPr/>
+        <p:nvPr/>
+      </p:nvGrpSpPr>
+      <p:grpSpPr>
+        <a:xfrm>
+          <a:off x="0" y="0"/>
+          <a:ext cx="0" cy="0"/>
+          <a:chOff x="0" y="0"/>
+          <a:chExt cx="0" cy="0"/>
+        </a:xfrm>
+      </p:grpSpPr>
+      <p:sp>
+        <p:nvSpPr>
+          <p:cNvPr id="4" name="椭圆 3"/>
+          <p:cNvSpPr>
+            <a:spLocks noChangeAspect="1"/>
+          </p:cNvSpPr>
+          <p:nvPr/>
+        </p:nvSpPr>
+        <p:spPr bwMode="auto">
+          <a:xfrm>
+            <a:off x="1619672" y="3068670"/>
+            <a:ext cx="648882" cy="648361"/>
+          </a:xfrm>
+          <a:prstGeom prst="ellipse">
+            <a:avLst/>
+          </a:prstGeom>
+          <a:gradFill>
+            <a:gsLst>
+              <a:gs pos="0">
+                <a:schemeClr val="bg1"/>
+              </a:gs>
+              <a:gs pos="63000">
+                <a:schemeClr val="bg1">
+                  <a:lumMod val="85000"/>
+                </a:schemeClr>
+              </a:gs>
+              <a:gs pos="100000">
+                <a:schemeClr val="bg1">
+                  <a:lumMod val="75000"/>
+                </a:schemeClr>
+              </a:gs>
+            </a:gsLst>
+            <a:lin ang="8100000" scaled="0"/>
+          </a:gradFill>
+          <a:ln w="25400" cap="flat" cmpd="sng" algn="ctr">
+            <a:gradFill>
+              <a:gsLst>
+                <a:gs pos="0">
+                  <a:schemeClr val="bg1">
+                    <a:lumMod val="95000"/>
+                    <a:alpha val="99000"/>
+                  </a:schemeClr>
+                </a:gs>
+                <a:gs pos="50000">
+                  <a:schemeClr val="bg1">
+                    <a:lumMod val="95000"/>
+                  </a:schemeClr>
+                </a:gs>
+                <a:gs pos="100000">
+                  <a:schemeClr val="bg1">
+                    <a:lumMod val="85000"/>
+                  </a:schemeClr>
+                </a:gs>
+              </a:gsLst>
+              <a:lin ang="2700000" scaled="0"/>
+            </a:gradFill>
+            <a:prstDash val="solid"/>
+            <a:round/>
+            <a:headEnd type="none" w="med" len="med"/>
+            <a:tailEnd type="none" w="med" len="med"/>
+          </a:ln>
+          <a:effectLst>
+            <a:outerShdw blurRad="50800" dist="38100" dir="2700000" algn="tl" rotWithShape="0">
+              <a:prstClr val="black">
+                <a:alpha val="40000"/>
+              </a:prstClr>
+            </a:outerShdw>
+          </a:effectLst>
+        </p:spPr>
+        <p:txBody>
+          <a:bodyPr vert="horz" wrap="square" lIns="91440" tIns="45720" rIns="91440" bIns="45720" numCol="1" rtlCol="0" anchor="t" anchorCtr="0" compatLnSpc="1">
+            <a:prstTxWarp prst="textNoShape">
+              <a:avLst/>
+            </a:prstTxWarp>
+          </a:bodyPr>
+          <a:lstStyle/>
+          <a:p>
+            <a:pPr marL="0" marR="0" indent="0" algn="l" defTabSz="457200" rtl="0" eaLnBrk="1" fontAlgn="base" latinLnBrk="0" hangingPunct="1">
+              <a:lnSpc>
+                <a:spcPct val="100000"/>
+              </a:lnSpc>
+              <a:spcBef>
+                <a:spcPct val="0"/>
+              </a:spcBef>
+              <a:spcAft>
+                <a:spcPct val="0"/>
+              </a:spcAft>
+              <a:buClrTx/>
+              <a:buSzTx/>
+              <a:buFont typeface="Arial" pitchFamily="34" charset="0"/>
+              <a:buNone/>
+              <a:tabLst/>
+            </a:pPr>
+            <a:r>
+              <a:rPr lang="zh-CN" altLang="en-US" sz="2000" dirty="0" smtClean="0">
+                <a:latin typeface="黑体" pitchFamily="2" charset="-122"/>
+                <a:ea typeface="黑体" pitchFamily="2" charset="-122"/>
+                <a:cs typeface="Arial" pitchFamily="34" charset="0"/>
+              </a:rPr>
+              <a:t>新</a:t>
+            </a:r>
+            <a:endParaRPr kumimoji="0" lang="zh-CN" altLang="en-US" sz="2000" b="0" i="0" u="none" strike="noStrike" cap="none" normalizeH="0" baseline="0" dirty="0" smtClean="0">
+              <a:ln>
+                <a:noFill/>
+              </a:ln>
+              <a:solidFill>
+                <a:schemeClr val="tx1"/>
+              </a:solidFill>
+              <a:effectLst/>
+              <a:latin typeface="黑体" pitchFamily="2" charset="-122"/>
+              <a:ea typeface="黑体" pitchFamily="2" charset="-122"/>
+              <a:cs typeface="Arial" pitchFamily="34" charset="0"/>
+            </a:endParaRPr>
+          </a:p>
+        </p:txBody>
+      </p:sp>
+      <p:sp>
+        <p:nvSpPr>
+          <p:cNvPr id="5" name="椭圆 4"/>
+          <p:cNvSpPr>
+            <a:spLocks noChangeAspect="1"/>
+          </p:cNvSpPr>
+          <p:nvPr/>
+        </p:nvSpPr>
+        <p:spPr bwMode="auto">
+          <a:xfrm>
+            <a:off x="2338942" y="3068960"/>
+            <a:ext cx="648882" cy="648361"/>
+          </a:xfrm>
+          <a:prstGeom prst="ellipse">
+            <a:avLst/>
+          </a:prstGeom>
+          <a:gradFill>
+            <a:gsLst>
+              <a:gs pos="0">
+                <a:schemeClr val="bg1"/>
+              </a:gs>
+              <a:gs pos="63000">
+                <a:schemeClr val="bg1">
+                  <a:lumMod val="85000"/>
+                </a:schemeClr>
+              </a:gs>
+              <a:gs pos="100000">
+                <a:schemeClr val="bg1">
+                  <a:lumMod val="75000"/>
+                </a:schemeClr>
+              </a:gs>
+            </a:gsLst>
+            <a:lin ang="8100000" scaled="0"/>
+          </a:gradFill>
+          <a:ln w="25400" cap="flat" cmpd="sng" algn="ctr">
+            <a:gradFill>
+              <a:gsLst>
+                <a:gs pos="0">
+                  <a:schemeClr val="bg1">
+                    <a:lumMod val="95000"/>
+                    <a:alpha val="99000"/>
+                  </a:schemeClr>
+                </a:gs>
+                <a:gs pos="50000">
+                  <a:schemeClr val="bg1">
+                    <a:lumMod val="95000"/>
+                  </a:schemeClr>
+                </a:gs>
+                <a:gs pos="100000">
+                  <a:schemeClr val="bg1">
+                    <a:lumMod val="85000"/>
+                  </a:schemeClr>
+                </a:gs>
+              </a:gsLst>
+              <a:lin ang="2700000" scaled="0"/>
+            </a:gradFill>
+            <a:prstDash val="solid"/>
+            <a:round/>
+            <a:headEnd type="none" w="med" len="med"/>
+            <a:tailEnd type="none" w="med" len="med"/>
+          </a:ln>
+          <a:effectLst>
+            <a:outerShdw blurRad="50800" dist="38100" dir="2700000" algn="tl" rotWithShape="0">
+              <a:prstClr val="black">
+                <a:alpha val="40000"/>
+              </a:prstClr>
+            </a:outerShdw>
+          </a:effectLst>
+        </p:spPr>
+        <p:txBody>
+          <a:bodyPr vert="horz" wrap="square" lIns="91440" tIns="45720" rIns="91440" bIns="45720" numCol="1" rtlCol="0" anchor="t" anchorCtr="0" compatLnSpc="1">
+            <a:prstTxWarp prst="textNoShape">
+              <a:avLst/>
+            </a:prstTxWarp>
+          </a:bodyPr>
+          <a:lstStyle/>
+          <a:p>
+            <a:pPr marL="0" marR="0" indent="0" algn="l" defTabSz="457200" rtl="0" eaLnBrk="1" fontAlgn="base" latinLnBrk="0" hangingPunct="1">
+              <a:lnSpc>
+                <a:spcPct val="100000"/>
+              </a:lnSpc>
+              <a:spcBef>
+                <a:spcPct val="0"/>
+              </a:spcBef>
+              <a:spcAft>
+                <a:spcPct val="0"/>
+              </a:spcAft>
+              <a:buClrTx/>
+              <a:buSzTx/>
+              <a:buFont typeface="Arial" pitchFamily="34" charset="0"/>
+              <a:buNone/>
+              <a:tabLst/>
+            </a:pPr>
+            <a:r>
+              <a:rPr kumimoji="0" lang="zh-CN" altLang="en-US" sz="2000" b="0" i="0" u="none" strike="noStrike" cap="none" normalizeH="0" baseline="0" dirty="0" smtClean="0">
+                <a:ln>
+                  <a:noFill/>
+                </a:ln>
+                <a:solidFill>
+                  <a:schemeClr val="tx1"/>
+                </a:solidFill>
+                <a:effectLst/>
+                <a:latin typeface="黑体" pitchFamily="2" charset="-122"/>
+                <a:ea typeface="黑体" pitchFamily="2" charset="-122"/>
+                <a:cs typeface="Arial" pitchFamily="34" charset="0"/>
+              </a:rPr>
+              <a:t>技</a:t>
+            </a:r>
+          </a:p>
+        </p:txBody>
+      </p:sp>
+      <p:sp>
+        <p:nvSpPr>
+          <p:cNvPr id="6" name="椭圆 5"/>
+          <p:cNvSpPr>
+            <a:spLocks noChangeAspect="1"/>
+          </p:cNvSpPr>
+          <p:nvPr/>
+        </p:nvSpPr>
+        <p:spPr bwMode="auto">
+          <a:xfrm>
+            <a:off x="3059022" y="3068960"/>
+            <a:ext cx="648882" cy="648361"/>
+          </a:xfrm>
+          <a:prstGeom prst="ellipse">
+            <a:avLst/>
+          </a:prstGeom>
+          <a:gradFill>
+            <a:gsLst>
+              <a:gs pos="0">
+                <a:schemeClr val="bg1"/>
+              </a:gs>
+              <a:gs pos="63000">
+                <a:schemeClr val="bg1">
+                  <a:lumMod val="85000"/>
+                </a:schemeClr>
+              </a:gs>
+              <a:gs pos="100000">
+                <a:schemeClr val="bg1">
+                  <a:lumMod val="75000"/>
+                </a:schemeClr>
+              </a:gs>
+            </a:gsLst>
+            <a:lin ang="8100000" scaled="0"/>
+          </a:gradFill>
+          <a:ln w="25400" cap="flat" cmpd="sng" algn="ctr">
+            <a:gradFill>
+              <a:gsLst>
+                <a:gs pos="0">
+                  <a:schemeClr val="bg1">
+                    <a:lumMod val="95000"/>
+                    <a:alpha val="99000"/>
+                  </a:schemeClr>
+                </a:gs>
+                <a:gs pos="50000">
+                  <a:schemeClr val="bg1">
+                    <a:lumMod val="95000"/>
+                  </a:schemeClr>
+                </a:gs>
+                <a:gs pos="100000">
+                  <a:schemeClr val="bg1">
+                    <a:lumMod val="85000"/>
+                  </a:schemeClr>
+                </a:gs>
+              </a:gsLst>
+              <a:lin ang="2700000" scaled="0"/>
+            </a:gradFill>
+            <a:prstDash val="solid"/>
+            <a:round/>
+            <a:headEnd type="none" w="med" len="med"/>
+            <a:tailEnd type="none" w="med" len="med"/>
+          </a:ln>
+          <a:effectLst>
+            <a:outerShdw blurRad="50800" dist="38100" dir="2700000" algn="tl" rotWithShape="0">
+              <a:prstClr val="black">
+                <a:alpha val="40000"/>
+              </a:prstClr>
+            </a:outerShdw>
+          </a:effectLst>
+        </p:spPr>
+        <p:txBody>
+          <a:bodyPr vert="horz" wrap="square" lIns="91440" tIns="45720" rIns="91440" bIns="45720" numCol="1" rtlCol="0" anchor="t" anchorCtr="0" compatLnSpc="1">
+            <a:prstTxWarp prst="textNoShape">
+              <a:avLst/>
+            </a:prstTxWarp>
+          </a:bodyPr>
+          <a:lstStyle/>
+          <a:p>
+            <a:pPr marL="0" marR="0" indent="0" algn="l" defTabSz="457200" rtl="0" eaLnBrk="1" fontAlgn="base" latinLnBrk="0" hangingPunct="1">
+              <a:lnSpc>
+                <a:spcPct val="100000"/>
+              </a:lnSpc>
+              <a:spcBef>
+                <a:spcPct val="0"/>
+              </a:spcBef>
+              <a:spcAft>
+                <a:spcPct val="0"/>
+              </a:spcAft>
+              <a:buClrTx/>
+              <a:buSzTx/>
+              <a:buFont typeface="Arial" pitchFamily="34" charset="0"/>
+              <a:buNone/>
+              <a:tabLst/>
+            </a:pPr>
+            <a:r>
+              <a:rPr kumimoji="0" lang="zh-CN" altLang="en-US" sz="2000" b="0" i="0" u="none" strike="noStrike" cap="none" normalizeH="0" baseline="0" dirty="0" smtClean="0">
+                <a:ln>
+                  <a:noFill/>
+                </a:ln>
+                <a:solidFill>
+                  <a:schemeClr val="tx1"/>
+                </a:solidFill>
+                <a:effectLst/>
+                <a:latin typeface="黑体" pitchFamily="2" charset="-122"/>
+                <a:ea typeface="黑体" pitchFamily="2" charset="-122"/>
+                <a:cs typeface="Arial" pitchFamily="34" charset="0"/>
+              </a:rPr>
+              <a:t>术</a:t>
+            </a:r>
+          </a:p>
+        </p:txBody>
+      </p:sp>
+      <p:sp>
+        <p:nvSpPr>
+          <p:cNvPr id="7" name="椭圆 6"/>
+          <p:cNvSpPr>
+            <a:spLocks noChangeAspect="1"/>
+          </p:cNvSpPr>
+          <p:nvPr/>
+        </p:nvSpPr>
+        <p:spPr bwMode="auto">
+          <a:xfrm>
+            <a:off x="3779102" y="3068960"/>
+            <a:ext cx="648882" cy="648361"/>
+          </a:xfrm>
+          <a:prstGeom prst="ellipse">
+            <a:avLst/>
+          </a:prstGeom>
+          <a:gradFill>
+            <a:gsLst>
+              <a:gs pos="0">
+                <a:schemeClr val="bg1"/>
+              </a:gs>
+              <a:gs pos="63000">
+                <a:schemeClr val="bg1">
+                  <a:lumMod val="85000"/>
+                </a:schemeClr>
+              </a:gs>
+              <a:gs pos="100000">
+                <a:schemeClr val="bg1">
+                  <a:lumMod val="75000"/>
+                </a:schemeClr>
+              </a:gs>
+            </a:gsLst>
+            <a:lin ang="8100000" scaled="0"/>
+          </a:gradFill>
+          <a:ln w="25400" cap="flat" cmpd="sng" algn="ctr">
+            <a:gradFill>
+              <a:gsLst>
+                <a:gs pos="0">
+                  <a:schemeClr val="bg1">
+                    <a:lumMod val="95000"/>
+                    <a:alpha val="99000"/>
+                  </a:schemeClr>
+                </a:gs>
+                <a:gs pos="50000">
+                  <a:schemeClr val="bg1">
+                    <a:lumMod val="95000"/>
+                  </a:schemeClr>
+                </a:gs>
+                <a:gs pos="100000">
+                  <a:schemeClr val="bg1">
+                    <a:lumMod val="85000"/>
+                  </a:schemeClr>
+                </a:gs>
+              </a:gsLst>
+              <a:lin ang="2700000" scaled="0"/>
+            </a:gradFill>
+            <a:prstDash val="solid"/>
+            <a:round/>
+            <a:headEnd type="none" w="med" len="med"/>
+            <a:tailEnd type="none" w="med" len="med"/>
+          </a:ln>
+          <a:effectLst>
+            <a:outerShdw blurRad="50800" dist="38100" dir="2700000" algn="tl" rotWithShape="0">
+              <a:prstClr val="black">
+                <a:alpha val="40000"/>
+              </a:prstClr>
+            </a:outerShdw>
+          </a:effectLst>
+        </p:spPr>
+        <p:txBody>
+          <a:bodyPr vert="horz" wrap="square" lIns="91440" tIns="45720" rIns="91440" bIns="45720" numCol="1" rtlCol="0" anchor="t" anchorCtr="0" compatLnSpc="1">
+            <a:prstTxWarp prst="textNoShape">
+              <a:avLst/>
+            </a:prstTxWarp>
+          </a:bodyPr>
+          <a:lstStyle/>
+          <a:p>
+            <a:pPr marL="0" marR="0" indent="0" algn="l" defTabSz="457200" rtl="0" eaLnBrk="1" fontAlgn="base" latinLnBrk="0" hangingPunct="1">
+              <a:lnSpc>
+                <a:spcPct val="100000"/>
+              </a:lnSpc>
+              <a:spcBef>
+                <a:spcPct val="0"/>
+              </a:spcBef>
+              <a:spcAft>
+                <a:spcPct val="0"/>
+              </a:spcAft>
+              <a:buClrTx/>
+              <a:buSzTx/>
+              <a:buFont typeface="Arial" pitchFamily="34" charset="0"/>
+              <a:buNone/>
+              <a:tabLst/>
+            </a:pPr>
+            <a:r>
+              <a:rPr kumimoji="0" lang="zh-CN" altLang="en-US" sz="2000" b="0" i="0" u="none" strike="noStrike" cap="none" normalizeH="0" baseline="0" dirty="0" smtClean="0">
+                <a:ln>
+                  <a:noFill/>
+                </a:ln>
+                <a:solidFill>
+                  <a:schemeClr val="tx1"/>
+                </a:solidFill>
+                <a:effectLst/>
+                <a:latin typeface="黑体" pitchFamily="2" charset="-122"/>
+                <a:ea typeface="黑体" pitchFamily="2" charset="-122"/>
+                <a:cs typeface="Arial" pitchFamily="34" charset="0"/>
+              </a:rPr>
+              <a:t>讲</a:t>
+            </a:r>
+          </a:p>
+        </p:txBody>
+      </p:sp>
+      <p:sp>
+        <p:nvSpPr>
+          <p:cNvPr id="8" name="椭圆 7"/>
+          <p:cNvSpPr>
+            <a:spLocks noChangeAspect="1"/>
+          </p:cNvSpPr>
+          <p:nvPr/>
+        </p:nvSpPr>
+        <p:spPr bwMode="auto">
+          <a:xfrm>
+            <a:off x="4499182" y="3068960"/>
+            <a:ext cx="648882" cy="648361"/>
+          </a:xfrm>
+          <a:prstGeom prst="ellipse">
+            <a:avLst/>
+          </a:prstGeom>
+          <a:gradFill>
+            <a:gsLst>
+              <a:gs pos="0">
+                <a:schemeClr val="bg1"/>
+              </a:gs>
+              <a:gs pos="63000">
+                <a:schemeClr val="bg1">
+                  <a:lumMod val="85000"/>
+                </a:schemeClr>
+              </a:gs>
+              <a:gs pos="100000">
+                <a:schemeClr val="bg1">
+                  <a:lumMod val="75000"/>
+                </a:schemeClr>
+              </a:gs>
+            </a:gsLst>
+            <a:lin ang="8100000" scaled="0"/>
+          </a:gradFill>
+          <a:ln w="25400" cap="flat" cmpd="sng" algn="ctr">
+            <a:gradFill>
+              <a:gsLst>
+                <a:gs pos="0">
+                  <a:schemeClr val="bg1">
+                    <a:lumMod val="95000"/>
+                    <a:alpha val="99000"/>
+                  </a:schemeClr>
+                </a:gs>
+                <a:gs pos="50000">
+                  <a:schemeClr val="bg1">
+                    <a:lumMod val="95000"/>
+                  </a:schemeClr>
+                </a:gs>
+                <a:gs pos="100000">
+                  <a:schemeClr val="bg1">
+                    <a:lumMod val="85000"/>
+                  </a:schemeClr>
+                </a:gs>
+              </a:gsLst>
+              <a:lin ang="2700000" scaled="0"/>
+            </a:gradFill>
+            <a:prstDash val="solid"/>
+            <a:round/>
+            <a:headEnd type="none" w="med" len="med"/>
+            <a:tailEnd type="none" w="med" len="med"/>
+          </a:ln>
+          <a:effectLst>
+            <a:outerShdw blurRad="50800" dist="38100" dir="2700000" algn="tl" rotWithShape="0">
+              <a:prstClr val="black">
+                <a:alpha val="40000"/>
+              </a:prstClr>
+            </a:outerShdw>
+          </a:effectLst>
+        </p:spPr>
+        <p:txBody>
+          <a:bodyPr vert="horz" wrap="square" lIns="91440" tIns="45720" rIns="91440" bIns="45720" numCol="1" rtlCol="0" anchor="t" anchorCtr="0" compatLnSpc="1">
+            <a:prstTxWarp prst="textNoShape">
+              <a:avLst/>
+            </a:prstTxWarp>
+          </a:bodyPr>
+          <a:lstStyle/>
+          <a:p>
+            <a:pPr marL="0" marR="0" indent="0" algn="l" defTabSz="457200" rtl="0" eaLnBrk="1" fontAlgn="base" latinLnBrk="0" hangingPunct="1">
+              <a:lnSpc>
+                <a:spcPct val="100000"/>
+              </a:lnSpc>
+              <a:spcBef>
+                <a:spcPct val="0"/>
+              </a:spcBef>
+              <a:spcAft>
+                <a:spcPct val="0"/>
+              </a:spcAft>
+              <a:buClrTx/>
+              <a:buSzTx/>
+              <a:buFont typeface="Arial" pitchFamily="34" charset="0"/>
+              <a:buNone/>
+              <a:tabLst/>
+            </a:pPr>
+            <a:r>
+              <a:rPr kumimoji="0" lang="zh-CN" altLang="en-US" sz="2000" b="0" i="0" u="none" strike="noStrike" cap="none" normalizeH="0" baseline="0" dirty="0" smtClean="0">
+                <a:ln>
+                  <a:noFill/>
+                </a:ln>
+                <a:solidFill>
+                  <a:schemeClr val="tx1"/>
+                </a:solidFill>
+                <a:effectLst/>
+                <a:latin typeface="黑体" pitchFamily="2" charset="-122"/>
+                <a:ea typeface="黑体" pitchFamily="2" charset="-122"/>
+                <a:cs typeface="Arial" pitchFamily="34" charset="0"/>
+              </a:rPr>
+              <a:t>堂</a:t>
+            </a:r>
+          </a:p>
+        </p:txBody>
+      </p:sp>
+      <p:sp>
+        <p:nvSpPr>
+          <p:cNvPr id="10" name="椭圆 9"/>
+          <p:cNvSpPr>
+            <a:spLocks noChangeAspect="1"/>
+          </p:cNvSpPr>
+          <p:nvPr/>
+        </p:nvSpPr>
+        <p:spPr bwMode="auto">
+          <a:xfrm>
+            <a:off x="1691680" y="4149080"/>
+            <a:ext cx="595706" cy="595228"/>
           </a:xfrm>
           <a:prstGeom prst="ellipse">
             <a:avLst/>
@@ -3795,24 +5528,27 @@
               <a:buNone/>
               <a:tabLst/>
             </a:pPr>
-            <a:endParaRPr kumimoji="0" lang="zh-CN" altLang="en-US" sz="1800" b="0" i="0" u="none" strike="noStrike" cap="none" normalizeH="0" baseline="0" smtClean="0">
-              <a:ln>
-                <a:noFill/>
-              </a:ln>
-              <a:solidFill>
-                <a:schemeClr val="tx1"/>
-              </a:solidFill>
-              <a:effectLst/>
-              <a:latin typeface="Calibri" pitchFamily="34" charset="0"/>
-              <a:ea typeface="宋体" pitchFamily="2" charset="-122"/>
-              <a:cs typeface="Arial" pitchFamily="34" charset="0"/>
-            </a:endParaRPr>
-          </a:p>
-        </p:txBody>
-      </p:sp>
-      <p:sp>
-        <p:nvSpPr>
-          <p:cNvPr id="19" name="椭圆 18"/>
+            <a:r>
+              <a:rPr kumimoji="0" lang="zh-CN" altLang="en-US" sz="2000" b="0" i="0" u="none" strike="noStrike" cap="none" normalizeH="0" baseline="0" dirty="0" smtClean="0">
+                <a:ln>
+                  <a:noFill/>
+                </a:ln>
+                <a:solidFill>
+                  <a:schemeClr val="tx1"/>
+                </a:solidFill>
+                <a:effectLst/>
+                <a:latin typeface="黑体" pitchFamily="2" charset="-122"/>
+                <a:ea typeface="黑体" pitchFamily="2" charset="-122"/>
+                <a:cs typeface="Arial" pitchFamily="34" charset="0"/>
+              </a:rPr>
+              <a:t>新</a:t>
+            </a:r>
+          </a:p>
+        </p:txBody>
+      </p:sp>
+      <p:sp>
+        <p:nvSpPr>
+          <p:cNvPr id="11" name="椭圆 10"/>
           <p:cNvSpPr>
             <a:spLocks noChangeAspect="1"/>
           </p:cNvSpPr>
@@ -3820,8 +5556,8 @@
         </p:nvSpPr>
         <p:spPr bwMode="auto">
           <a:xfrm>
-            <a:off x="6300192" y="5824428"/>
-            <a:ext cx="792724" cy="792088"/>
+            <a:off x="2339752" y="4149080"/>
+            <a:ext cx="595706" cy="595228"/>
           </a:xfrm>
           <a:prstGeom prst="ellipse">
             <a:avLst/>
@@ -3902,24 +5638,27 @@
               <a:buNone/>
               <a:tabLst/>
             </a:pPr>
-            <a:endParaRPr kumimoji="0" lang="zh-CN" altLang="en-US" sz="1800" b="0" i="0" u="none" strike="noStrike" cap="none" normalizeH="0" baseline="0" smtClean="0">
-              <a:ln>
-                <a:noFill/>
-              </a:ln>
-              <a:solidFill>
-                <a:schemeClr val="tx1"/>
-              </a:solidFill>
-              <a:effectLst/>
-              <a:latin typeface="Calibri" pitchFamily="34" charset="0"/>
-              <a:ea typeface="宋体" pitchFamily="2" charset="-122"/>
-              <a:cs typeface="Arial" pitchFamily="34" charset="0"/>
-            </a:endParaRPr>
-          </a:p>
-        </p:txBody>
-      </p:sp>
-      <p:sp>
-        <p:nvSpPr>
-          <p:cNvPr id="20" name="椭圆 19"/>
+            <a:r>
+              <a:rPr kumimoji="0" lang="zh-CN" altLang="en-US" sz="2000" b="0" i="0" u="none" strike="noStrike" cap="none" normalizeH="0" baseline="0" dirty="0" smtClean="0">
+                <a:ln>
+                  <a:noFill/>
+                </a:ln>
+                <a:solidFill>
+                  <a:schemeClr val="tx1"/>
+                </a:solidFill>
+                <a:effectLst/>
+                <a:latin typeface="黑体" pitchFamily="2" charset="-122"/>
+                <a:ea typeface="黑体" pitchFamily="2" charset="-122"/>
+                <a:cs typeface="Arial" pitchFamily="34" charset="0"/>
+              </a:rPr>
+              <a:t>技</a:t>
+            </a:r>
+          </a:p>
+        </p:txBody>
+      </p:sp>
+      <p:sp>
+        <p:nvSpPr>
+          <p:cNvPr id="12" name="椭圆 11"/>
           <p:cNvSpPr>
             <a:spLocks noChangeAspect="1"/>
           </p:cNvSpPr>
@@ -3927,8 +5666,8 @@
         </p:nvSpPr>
         <p:spPr bwMode="auto">
           <a:xfrm>
-            <a:off x="7164288" y="5824428"/>
-            <a:ext cx="792724" cy="792088"/>
+            <a:off x="3040190" y="4149080"/>
+            <a:ext cx="595706" cy="595228"/>
           </a:xfrm>
           <a:prstGeom prst="ellipse">
             <a:avLst/>
@@ -4009,24 +5748,27 @@
               <a:buNone/>
               <a:tabLst/>
             </a:pPr>
-            <a:endParaRPr kumimoji="0" lang="zh-CN" altLang="en-US" sz="1800" b="0" i="0" u="none" strike="noStrike" cap="none" normalizeH="0" baseline="0" smtClean="0">
-              <a:ln>
-                <a:noFill/>
-              </a:ln>
-              <a:solidFill>
-                <a:schemeClr val="tx1"/>
-              </a:solidFill>
-              <a:effectLst/>
-              <a:latin typeface="Calibri" pitchFamily="34" charset="0"/>
-              <a:ea typeface="宋体" pitchFamily="2" charset="-122"/>
-              <a:cs typeface="Arial" pitchFamily="34" charset="0"/>
-            </a:endParaRPr>
-          </a:p>
-        </p:txBody>
-      </p:sp>
-      <p:sp>
-        <p:nvSpPr>
-          <p:cNvPr id="21" name="椭圆 20"/>
+            <a:r>
+              <a:rPr kumimoji="0" lang="zh-CN" altLang="en-US" sz="2000" b="0" i="0" u="none" strike="noStrike" cap="none" normalizeH="0" baseline="0" dirty="0" smtClean="0">
+                <a:ln>
+                  <a:noFill/>
+                </a:ln>
+                <a:solidFill>
+                  <a:schemeClr val="tx1"/>
+                </a:solidFill>
+                <a:effectLst/>
+                <a:latin typeface="黑体" pitchFamily="2" charset="-122"/>
+                <a:ea typeface="黑体" pitchFamily="2" charset="-122"/>
+                <a:cs typeface="Arial" pitchFamily="34" charset="0"/>
+              </a:rPr>
+              <a:t>术</a:t>
+            </a:r>
+          </a:p>
+        </p:txBody>
+      </p:sp>
+      <p:sp>
+        <p:nvSpPr>
+          <p:cNvPr id="13" name="椭圆 12"/>
           <p:cNvSpPr>
             <a:spLocks noChangeAspect="1"/>
           </p:cNvSpPr>
@@ -4034,8 +5776,8 @@
         </p:nvSpPr>
         <p:spPr bwMode="auto">
           <a:xfrm>
-            <a:off x="8028384" y="5824428"/>
-            <a:ext cx="792724" cy="792088"/>
+            <a:off x="3688262" y="4149080"/>
+            <a:ext cx="595706" cy="595228"/>
           </a:xfrm>
           <a:prstGeom prst="ellipse">
             <a:avLst/>
@@ -4116,351 +5858,131 @@
               <a:buNone/>
               <a:tabLst/>
             </a:pPr>
-            <a:endParaRPr kumimoji="0" lang="zh-CN" altLang="en-US" sz="1800" b="0" i="0" u="none" strike="noStrike" cap="none" normalizeH="0" baseline="0" smtClean="0">
-              <a:ln>
-                <a:noFill/>
-              </a:ln>
-              <a:solidFill>
-                <a:schemeClr val="tx1"/>
-              </a:solidFill>
-              <a:effectLst/>
-              <a:latin typeface="Calibri" pitchFamily="34" charset="0"/>
-              <a:ea typeface="宋体" pitchFamily="2" charset="-122"/>
-              <a:cs typeface="Arial" pitchFamily="34" charset="0"/>
-            </a:endParaRPr>
-          </a:p>
-        </p:txBody>
-      </p:sp>
-      <p:sp>
-        <p:nvSpPr>
-          <p:cNvPr id="22" name="TextBox 21"/>
-          <p:cNvSpPr txBox="1"/>
+            <a:r>
+              <a:rPr kumimoji="0" lang="zh-CN" altLang="en-US" sz="2000" b="0" i="0" u="none" strike="noStrike" cap="none" normalizeH="0" baseline="0" dirty="0" smtClean="0">
+                <a:ln>
+                  <a:noFill/>
+                </a:ln>
+                <a:solidFill>
+                  <a:schemeClr val="tx1"/>
+                </a:solidFill>
+                <a:effectLst/>
+                <a:latin typeface="黑体" pitchFamily="2" charset="-122"/>
+                <a:ea typeface="黑体" pitchFamily="2" charset="-122"/>
+                <a:cs typeface="Arial" pitchFamily="34" charset="0"/>
+              </a:rPr>
+              <a:t>讲</a:t>
+            </a:r>
+          </a:p>
+        </p:txBody>
+      </p:sp>
+      <p:sp>
+        <p:nvSpPr>
+          <p:cNvPr id="14" name="椭圆 13"/>
+          <p:cNvSpPr>
+            <a:spLocks noChangeAspect="1"/>
+          </p:cNvSpPr>
           <p:nvPr/>
         </p:nvSpPr>
-        <p:spPr>
+        <p:spPr bwMode="auto">
           <a:xfrm>
-            <a:off x="4716016" y="5949280"/>
-            <a:ext cx="576064" cy="523220"/>
+            <a:off x="4336334" y="4149080"/>
+            <a:ext cx="595706" cy="595228"/>
           </a:xfrm>
-          <a:prstGeom prst="rect">
+          <a:prstGeom prst="ellipse">
             <a:avLst/>
           </a:prstGeom>
-          <a:noFill/>
+          <a:gradFill>
+            <a:gsLst>
+              <a:gs pos="0">
+                <a:schemeClr val="bg1"/>
+              </a:gs>
+              <a:gs pos="63000">
+                <a:schemeClr val="bg2">
+                  <a:lumMod val="20000"/>
+                  <a:lumOff val="80000"/>
+                </a:schemeClr>
+              </a:gs>
+              <a:gs pos="100000">
+                <a:schemeClr val="bg2">
+                  <a:lumMod val="20000"/>
+                  <a:lumOff val="80000"/>
+                </a:schemeClr>
+              </a:gs>
+            </a:gsLst>
+            <a:lin ang="8100000" scaled="0"/>
+          </a:gradFill>
+          <a:ln w="25400" cap="flat" cmpd="sng" algn="ctr">
+            <a:gradFill>
+              <a:gsLst>
+                <a:gs pos="0">
+                  <a:schemeClr val="bg1"/>
+                </a:gs>
+                <a:gs pos="50000">
+                  <a:schemeClr val="bg1">
+                    <a:lumMod val="95000"/>
+                  </a:schemeClr>
+                </a:gs>
+                <a:gs pos="100000">
+                  <a:schemeClr val="bg1">
+                    <a:lumMod val="85000"/>
+                  </a:schemeClr>
+                </a:gs>
+              </a:gsLst>
+              <a:lin ang="2700000" scaled="0"/>
+            </a:gradFill>
+            <a:prstDash val="solid"/>
+            <a:round/>
+            <a:headEnd type="none" w="med" len="med"/>
+            <a:tailEnd type="none" w="med" len="med"/>
+          </a:ln>
+          <a:effectLst>
+            <a:outerShdw blurRad="50800" dist="38100" dir="2700000" algn="tl" rotWithShape="0">
+              <a:prstClr val="black">
+                <a:alpha val="40000"/>
+              </a:prstClr>
+            </a:outerShdw>
+          </a:effectLst>
         </p:spPr>
         <p:txBody>
-          <a:bodyPr wrap="square" rtlCol="0">
-            <a:spAutoFit/>
+          <a:bodyPr vert="horz" wrap="square" lIns="91440" tIns="45720" rIns="91440" bIns="45720" numCol="1" rtlCol="0" anchor="t" anchorCtr="0" compatLnSpc="1">
+            <a:prstTxWarp prst="textNoShape">
+              <a:avLst/>
+            </a:prstTxWarp>
           </a:bodyPr>
           <a:lstStyle/>
           <a:p>
-            <a:r>
-              <a:rPr lang="zh-CN" altLang="en-US" sz="2800" dirty="0" smtClean="0">
-                <a:latin typeface="幼圆" pitchFamily="49" charset="-122"/>
-                <a:ea typeface="幼圆" pitchFamily="49" charset="-122"/>
-              </a:rPr>
-              <a:t>新</a:t>
-            </a:r>
-            <a:endParaRPr lang="zh-CN" altLang="en-US" sz="2800" dirty="0">
-              <a:latin typeface="幼圆" pitchFamily="49" charset="-122"/>
-              <a:ea typeface="幼圆" pitchFamily="49" charset="-122"/>
-            </a:endParaRPr>
-          </a:p>
-        </p:txBody>
-      </p:sp>
-      <p:sp>
-        <p:nvSpPr>
-          <p:cNvPr id="23" name="TextBox 22"/>
-          <p:cNvSpPr txBox="1"/>
-          <p:nvPr/>
-        </p:nvSpPr>
-        <p:spPr>
-          <a:xfrm>
-            <a:off x="5580112" y="5949280"/>
-            <a:ext cx="576064" cy="523220"/>
-          </a:xfrm>
-          <a:prstGeom prst="rect">
-            <a:avLst/>
-          </a:prstGeom>
-          <a:noFill/>
-        </p:spPr>
-        <p:txBody>
-          <a:bodyPr wrap="square" rtlCol="0">
-            <a:spAutoFit/>
-          </a:bodyPr>
-          <a:lstStyle/>
-          <a:p>
-            <a:r>
-              <a:rPr lang="zh-CN" altLang="en-US" sz="2800" dirty="0" smtClean="0">
-                <a:latin typeface="幼圆" pitchFamily="49" charset="-122"/>
-                <a:ea typeface="幼圆" pitchFamily="49" charset="-122"/>
-              </a:rPr>
-              <a:t>技</a:t>
-            </a:r>
-            <a:endParaRPr lang="zh-CN" altLang="en-US" sz="2800" dirty="0">
-              <a:latin typeface="幼圆" pitchFamily="49" charset="-122"/>
-              <a:ea typeface="幼圆" pitchFamily="49" charset="-122"/>
-            </a:endParaRPr>
-          </a:p>
-        </p:txBody>
-      </p:sp>
-      <p:sp>
-        <p:nvSpPr>
-          <p:cNvPr id="24" name="TextBox 23"/>
-          <p:cNvSpPr txBox="1"/>
-          <p:nvPr/>
-        </p:nvSpPr>
-        <p:spPr>
-          <a:xfrm>
-            <a:off x="6444208" y="5968444"/>
-            <a:ext cx="576064" cy="523220"/>
-          </a:xfrm>
-          <a:prstGeom prst="rect">
-            <a:avLst/>
-          </a:prstGeom>
-          <a:noFill/>
-        </p:spPr>
-        <p:txBody>
-          <a:bodyPr wrap="square" rtlCol="0">
-            <a:spAutoFit/>
-          </a:bodyPr>
-          <a:lstStyle/>
-          <a:p>
-            <a:r>
-              <a:rPr lang="zh-CN" altLang="en-US" sz="2800" dirty="0" smtClean="0">
-                <a:latin typeface="幼圆" pitchFamily="49" charset="-122"/>
-                <a:ea typeface="幼圆" pitchFamily="49" charset="-122"/>
-              </a:rPr>
-              <a:t>术</a:t>
-            </a:r>
-            <a:endParaRPr lang="zh-CN" altLang="en-US" sz="2800" dirty="0">
-              <a:latin typeface="幼圆" pitchFamily="49" charset="-122"/>
-              <a:ea typeface="幼圆" pitchFamily="49" charset="-122"/>
-            </a:endParaRPr>
-          </a:p>
-        </p:txBody>
-      </p:sp>
-      <p:sp>
-        <p:nvSpPr>
-          <p:cNvPr id="25" name="TextBox 24"/>
-          <p:cNvSpPr txBox="1"/>
-          <p:nvPr/>
-        </p:nvSpPr>
-        <p:spPr>
-          <a:xfrm>
-            <a:off x="7308304" y="5968444"/>
-            <a:ext cx="576064" cy="523220"/>
-          </a:xfrm>
-          <a:prstGeom prst="rect">
-            <a:avLst/>
-          </a:prstGeom>
-          <a:noFill/>
-        </p:spPr>
-        <p:txBody>
-          <a:bodyPr wrap="square" rtlCol="0">
-            <a:spAutoFit/>
-          </a:bodyPr>
-          <a:lstStyle/>
-          <a:p>
-            <a:r>
-              <a:rPr lang="zh-CN" altLang="en-US" sz="2800" dirty="0" smtClean="0">
-                <a:latin typeface="幼圆" pitchFamily="49" charset="-122"/>
-                <a:ea typeface="幼圆" pitchFamily="49" charset="-122"/>
-              </a:rPr>
-              <a:t>讲</a:t>
-            </a:r>
-            <a:endParaRPr lang="zh-CN" altLang="en-US" sz="2800" dirty="0">
-              <a:latin typeface="幼圆" pitchFamily="49" charset="-122"/>
-              <a:ea typeface="幼圆" pitchFamily="49" charset="-122"/>
-            </a:endParaRPr>
-          </a:p>
-        </p:txBody>
-      </p:sp>
-      <p:sp>
-        <p:nvSpPr>
-          <p:cNvPr id="26" name="TextBox 25"/>
-          <p:cNvSpPr txBox="1"/>
-          <p:nvPr/>
-        </p:nvSpPr>
-        <p:spPr>
-          <a:xfrm>
-            <a:off x="8172400" y="5949280"/>
-            <a:ext cx="576064" cy="523220"/>
-          </a:xfrm>
-          <a:prstGeom prst="rect">
-            <a:avLst/>
-          </a:prstGeom>
-          <a:noFill/>
-        </p:spPr>
-        <p:txBody>
-          <a:bodyPr wrap="square" rtlCol="0">
-            <a:spAutoFit/>
-          </a:bodyPr>
-          <a:lstStyle/>
-          <a:p>
-            <a:r>
-              <a:rPr lang="zh-CN" altLang="en-US" sz="2800" dirty="0" smtClean="0">
-                <a:latin typeface="幼圆" pitchFamily="49" charset="-122"/>
-                <a:ea typeface="幼圆" pitchFamily="49" charset="-122"/>
+            <a:pPr marL="0" marR="0" indent="0" algn="l" defTabSz="457200" rtl="0" eaLnBrk="1" fontAlgn="base" latinLnBrk="0" hangingPunct="1">
+              <a:lnSpc>
+                <a:spcPct val="100000"/>
+              </a:lnSpc>
+              <a:spcBef>
+                <a:spcPct val="0"/>
+              </a:spcBef>
+              <a:spcAft>
+                <a:spcPct val="0"/>
+              </a:spcAft>
+              <a:buClrTx/>
+              <a:buSzTx/>
+              <a:buFont typeface="Arial" pitchFamily="34" charset="0"/>
+              <a:buNone/>
+              <a:tabLst/>
+            </a:pPr>
+            <a:r>
+              <a:rPr kumimoji="0" lang="zh-CN" altLang="en-US" sz="2000" b="0" i="0" u="none" strike="noStrike" cap="none" normalizeH="0" baseline="0" dirty="0" smtClean="0">
+                <a:ln>
+                  <a:noFill/>
+                </a:ln>
+                <a:solidFill>
+                  <a:schemeClr val="tx1"/>
+                </a:solidFill>
+                <a:effectLst/>
+                <a:latin typeface="黑体" pitchFamily="2" charset="-122"/>
+                <a:ea typeface="黑体" pitchFamily="2" charset="-122"/>
+                <a:cs typeface="Arial" pitchFamily="34" charset="0"/>
               </a:rPr>
               <a:t>堂</a:t>
             </a:r>
-            <a:endParaRPr lang="zh-CN" altLang="en-US" sz="2800" dirty="0">
-              <a:latin typeface="幼圆" pitchFamily="49" charset="-122"/>
-              <a:ea typeface="幼圆" pitchFamily="49" charset="-122"/>
-            </a:endParaRPr>
-          </a:p>
-        </p:txBody>
-      </p:sp>
-      <p:sp>
-        <p:nvSpPr>
-          <p:cNvPr id="27" name="矩形 26"/>
-          <p:cNvSpPr/>
-          <p:nvPr/>
-        </p:nvSpPr>
-        <p:spPr>
-          <a:xfrm>
-            <a:off x="683568" y="4221088"/>
-            <a:ext cx="5256584" cy="1152128"/>
-          </a:xfrm>
-          <a:prstGeom prst="rect">
-            <a:avLst/>
-          </a:prstGeom>
-        </p:spPr>
-        <p:style>
-          <a:lnRef idx="2">
-            <a:schemeClr val="accent1">
-              <a:shade val="50000"/>
-            </a:schemeClr>
-          </a:lnRef>
-          <a:fillRef idx="1">
-            <a:schemeClr val="accent1"/>
-          </a:fillRef>
-          <a:effectRef idx="0">
-            <a:schemeClr val="accent1"/>
-          </a:effectRef>
-          <a:fontRef idx="minor">
-            <a:schemeClr val="lt1"/>
-          </a:fontRef>
-        </p:style>
-        <p:txBody>
-          <a:bodyPr rtlCol="0" anchor="ctr"/>
-          <a:lstStyle/>
-          <a:p>
-            <a:pPr algn="ctr"/>
-            <a:endParaRPr lang="zh-CN" altLang="en-US"/>
-          </a:p>
-        </p:txBody>
-      </p:sp>
-      <p:sp>
-        <p:nvSpPr>
-          <p:cNvPr id="29" name="TextBox 28"/>
-          <p:cNvSpPr txBox="1"/>
-          <p:nvPr/>
-        </p:nvSpPr>
-        <p:spPr>
-          <a:xfrm>
-            <a:off x="1043608" y="4365104"/>
-            <a:ext cx="3528392" cy="523220"/>
-          </a:xfrm>
-          <a:prstGeom prst="rect">
-            <a:avLst/>
-          </a:prstGeom>
-          <a:noFill/>
-        </p:spPr>
-        <p:txBody>
-          <a:bodyPr wrap="square" rtlCol="0">
-            <a:spAutoFit/>
-          </a:bodyPr>
-          <a:lstStyle/>
-          <a:p>
-            <a:r>
-              <a:rPr lang="zh-CN" altLang="en-US" sz="1400" dirty="0" smtClean="0">
-                <a:latin typeface="幼圆" pitchFamily="49" charset="-122"/>
-                <a:ea typeface="幼圆" pitchFamily="49" charset="-122"/>
-              </a:rPr>
-              <a:t>特邀</a:t>
-            </a:r>
-            <a:r>
-              <a:rPr lang="zh-CN" altLang="en-US" sz="1400" dirty="0" smtClean="0">
-                <a:latin typeface="幼圆" pitchFamily="49" charset="-122"/>
-                <a:ea typeface="幼圆" pitchFamily="49" charset="-122"/>
-              </a:rPr>
-              <a:t>公司智能家居产品总监彭凯与您面对面，与大咖共话智能家居的机遇与挑战！</a:t>
-            </a:r>
-            <a:endParaRPr lang="zh-CN" altLang="en-US" sz="1400" dirty="0">
-              <a:latin typeface="幼圆" pitchFamily="49" charset="-122"/>
-              <a:ea typeface="幼圆" pitchFamily="49" charset="-122"/>
-            </a:endParaRPr>
-          </a:p>
-        </p:txBody>
-      </p:sp>
-    </p:spTree>
-  </p:cSld>
-  <p:clrMapOvr>
-    <a:masterClrMapping/>
-  </p:clrMapOvr>
-</p:sld>
-</file>
-
-<file path=ppt/slides/slide2.xml><?xml version="1.0" encoding="utf-8"?>
-<p:sld xmlns:a="http://schemas.openxmlformats.org/drawingml/2006/main" xmlns:r="http://schemas.openxmlformats.org/officeDocument/2006/relationships" xmlns:p="http://schemas.openxmlformats.org/presentationml/2006/main">
-  <p:cSld>
-    <p:spTree>
-      <p:nvGrpSpPr>
-        <p:cNvPr id="1" name=""/>
-        <p:cNvGrpSpPr/>
-        <p:nvPr/>
-      </p:nvGrpSpPr>
-      <p:grpSpPr>
-        <a:xfrm>
-          <a:off x="0" y="0"/>
-          <a:ext cx="0" cy="0"/>
-          <a:chOff x="0" y="0"/>
-          <a:chExt cx="0" cy="0"/>
-        </a:xfrm>
-      </p:grpSpPr>
-      <p:sp>
-        <p:nvSpPr>
-          <p:cNvPr id="4" name="矩形 3"/>
-          <p:cNvSpPr>
-            <a:spLocks noChangeAspect="1"/>
-          </p:cNvSpPr>
-          <p:nvPr/>
-        </p:nvSpPr>
-        <p:spPr>
-          <a:xfrm>
-            <a:off x="1331640" y="2420888"/>
-            <a:ext cx="1728000" cy="1728000"/>
-          </a:xfrm>
-          <a:prstGeom prst="rect">
-            <a:avLst/>
-          </a:prstGeom>
-          <a:ln>
-            <a:noFill/>
-          </a:ln>
-        </p:spPr>
-        <p:style>
-          <a:lnRef idx="2">
-            <a:schemeClr val="accent1">
-              <a:shade val="50000"/>
-            </a:schemeClr>
-          </a:lnRef>
-          <a:fillRef idx="1">
-            <a:schemeClr val="accent1"/>
-          </a:fillRef>
-          <a:effectRef idx="0">
-            <a:schemeClr val="accent1"/>
-          </a:effectRef>
-          <a:fontRef idx="minor">
-            <a:schemeClr val="lt1"/>
-          </a:fontRef>
-        </p:style>
-        <p:txBody>
-          <a:bodyPr rtlCol="0" anchor="ctr"/>
-          <a:lstStyle/>
-          <a:p>
-            <a:pPr algn="ctr"/>
-            <a:endParaRPr lang="zh-CN" altLang="en-US"/>
           </a:p>
         </p:txBody>
       </p:sp>

--- a/poster.pptx
+++ b/poster.pptx
@@ -5,12 +5,15 @@
     <p:sldMasterId id="2147483648" r:id="rId1"/>
   </p:sldMasterIdLst>
   <p:notesMasterIdLst>
-    <p:notesMasterId r:id="rId5"/>
+    <p:notesMasterId r:id="rId8"/>
   </p:notesMasterIdLst>
   <p:sldIdLst>
     <p:sldId id="328" r:id="rId2"/>
     <p:sldId id="329" r:id="rId3"/>
     <p:sldId id="330" r:id="rId4"/>
+    <p:sldId id="331" r:id="rId5"/>
+    <p:sldId id="332" r:id="rId6"/>
+    <p:sldId id="333" r:id="rId7"/>
   </p:sldIdLst>
   <p:sldSz cx="9144000" cy="6858000" type="screen4x3"/>
   <p:notesSz cx="6858000" cy="9144000"/>
@@ -195,7 +198,7 @@
             <a:fld id="{3A717201-49CA-46AE-A68E-D969A1D8D135}" type="datetimeFigureOut">
               <a:rPr lang="zh-CN" altLang="en-US" smtClean="0"/>
               <a:pPr/>
-              <a:t>2016-10-9</a:t>
+              <a:t>2016-11-7</a:t>
             </a:fld>
             <a:endParaRPr lang="zh-CN" altLang="en-US"/>
           </a:p>
@@ -643,7 +646,7 @@
             <a:fld id="{7CDCBD02-D446-496C-BEC0-2B552561EEEE}" type="datetimeFigureOut">
               <a:rPr lang="zh-CN" altLang="en-US" smtClean="0"/>
               <a:pPr/>
-              <a:t>2016-10-9</a:t>
+              <a:t>2016-11-7</a:t>
             </a:fld>
             <a:endParaRPr lang="zh-CN" altLang="en-US"/>
           </a:p>
@@ -810,7 +813,7 @@
             <a:fld id="{7CDCBD02-D446-496C-BEC0-2B552561EEEE}" type="datetimeFigureOut">
               <a:rPr lang="zh-CN" altLang="en-US" smtClean="0"/>
               <a:pPr/>
-              <a:t>2016-10-9</a:t>
+              <a:t>2016-11-7</a:t>
             </a:fld>
             <a:endParaRPr lang="zh-CN" altLang="en-US"/>
           </a:p>
@@ -987,7 +990,7 @@
             <a:fld id="{7CDCBD02-D446-496C-BEC0-2B552561EEEE}" type="datetimeFigureOut">
               <a:rPr lang="zh-CN" altLang="en-US" smtClean="0"/>
               <a:pPr/>
-              <a:t>2016-10-9</a:t>
+              <a:t>2016-11-7</a:t>
             </a:fld>
             <a:endParaRPr lang="zh-CN" altLang="en-US"/>
           </a:p>
@@ -1154,7 +1157,7 @@
             <a:fld id="{7CDCBD02-D446-496C-BEC0-2B552561EEEE}" type="datetimeFigureOut">
               <a:rPr lang="zh-CN" altLang="en-US" smtClean="0"/>
               <a:pPr/>
-              <a:t>2016-10-9</a:t>
+              <a:t>2016-11-7</a:t>
             </a:fld>
             <a:endParaRPr lang="zh-CN" altLang="en-US"/>
           </a:p>
@@ -1397,7 +1400,7 @@
             <a:fld id="{7CDCBD02-D446-496C-BEC0-2B552561EEEE}" type="datetimeFigureOut">
               <a:rPr lang="zh-CN" altLang="en-US" smtClean="0"/>
               <a:pPr/>
-              <a:t>2016-10-9</a:t>
+              <a:t>2016-11-7</a:t>
             </a:fld>
             <a:endParaRPr lang="zh-CN" altLang="en-US"/>
           </a:p>
@@ -1682,7 +1685,7 @@
             <a:fld id="{7CDCBD02-D446-496C-BEC0-2B552561EEEE}" type="datetimeFigureOut">
               <a:rPr lang="zh-CN" altLang="en-US" smtClean="0"/>
               <a:pPr/>
-              <a:t>2016-10-9</a:t>
+              <a:t>2016-11-7</a:t>
             </a:fld>
             <a:endParaRPr lang="zh-CN" altLang="en-US"/>
           </a:p>
@@ -2101,7 +2104,7 @@
             <a:fld id="{7CDCBD02-D446-496C-BEC0-2B552561EEEE}" type="datetimeFigureOut">
               <a:rPr lang="zh-CN" altLang="en-US" smtClean="0"/>
               <a:pPr/>
-              <a:t>2016-10-9</a:t>
+              <a:t>2016-11-7</a:t>
             </a:fld>
             <a:endParaRPr lang="zh-CN" altLang="en-US"/>
           </a:p>
@@ -2216,7 +2219,7 @@
             <a:fld id="{7CDCBD02-D446-496C-BEC0-2B552561EEEE}" type="datetimeFigureOut">
               <a:rPr lang="zh-CN" altLang="en-US" smtClean="0"/>
               <a:pPr/>
-              <a:t>2016-10-9</a:t>
+              <a:t>2016-11-7</a:t>
             </a:fld>
             <a:endParaRPr lang="zh-CN" altLang="en-US"/>
           </a:p>
@@ -2308,7 +2311,7 @@
             <a:fld id="{7CDCBD02-D446-496C-BEC0-2B552561EEEE}" type="datetimeFigureOut">
               <a:rPr lang="zh-CN" altLang="en-US" smtClean="0"/>
               <a:pPr/>
-              <a:t>2016-10-9</a:t>
+              <a:t>2016-11-7</a:t>
             </a:fld>
             <a:endParaRPr lang="zh-CN" altLang="en-US"/>
           </a:p>
@@ -2582,7 +2585,7 @@
             <a:fld id="{7CDCBD02-D446-496C-BEC0-2B552561EEEE}" type="datetimeFigureOut">
               <a:rPr lang="zh-CN" altLang="en-US" smtClean="0"/>
               <a:pPr/>
-              <a:t>2016-10-9</a:t>
+              <a:t>2016-11-7</a:t>
             </a:fld>
             <a:endParaRPr lang="zh-CN" altLang="en-US"/>
           </a:p>
@@ -2832,7 +2835,7 @@
             <a:fld id="{7CDCBD02-D446-496C-BEC0-2B552561EEEE}" type="datetimeFigureOut">
               <a:rPr lang="zh-CN" altLang="en-US" smtClean="0"/>
               <a:pPr/>
-              <a:t>2016-10-9</a:t>
+              <a:t>2016-11-7</a:t>
             </a:fld>
             <a:endParaRPr lang="zh-CN" altLang="en-US"/>
           </a:p>
@@ -3042,7 +3045,7 @@
             <a:fld id="{7CDCBD02-D446-496C-BEC0-2B552561EEEE}" type="datetimeFigureOut">
               <a:rPr lang="zh-CN" altLang="en-US" smtClean="0"/>
               <a:pPr/>
-              <a:t>2016-10-9</a:t>
+              <a:t>2016-11-7</a:t>
             </a:fld>
             <a:endParaRPr lang="zh-CN" altLang="en-US"/>
           </a:p>
@@ -3435,7 +3438,7 @@
         </p:nvSpPr>
         <p:spPr>
           <a:xfrm>
-            <a:off x="0" y="1196752"/>
+            <a:off x="0" y="1268760"/>
             <a:ext cx="6588224" cy="3096344"/>
           </a:xfrm>
           <a:prstGeom prst="rect">
@@ -3486,7 +3489,7 @@
         </p:nvSpPr>
         <p:spPr>
           <a:xfrm>
-            <a:off x="755576" y="1556792"/>
+            <a:off x="755576" y="1628800"/>
             <a:ext cx="2952328" cy="830997"/>
           </a:xfrm>
           <a:prstGeom prst="rect">
@@ -3528,7 +3531,7 @@
         </p:nvCxnSpPr>
         <p:spPr>
           <a:xfrm>
-            <a:off x="827584" y="2924944"/>
+            <a:off x="827584" y="2996952"/>
             <a:ext cx="3528392" cy="0"/>
           </a:xfrm>
           <a:prstGeom prst="line">
@@ -3563,7 +3566,7 @@
         </p:nvSpPr>
         <p:spPr>
           <a:xfrm>
-            <a:off x="755576" y="2420888"/>
+            <a:off x="755576" y="2492896"/>
             <a:ext cx="4176464" cy="400110"/>
           </a:xfrm>
           <a:prstGeom prst="rect">
@@ -3605,7 +3608,7 @@
         </p:nvSpPr>
         <p:spPr>
           <a:xfrm>
-            <a:off x="755576" y="3615407"/>
+            <a:off x="755576" y="3687415"/>
             <a:ext cx="5184576" cy="461665"/>
           </a:xfrm>
           <a:prstGeom prst="rect">
@@ -3627,7 +3630,17 @@
                 <a:latin typeface="微软雅黑" pitchFamily="34" charset="-122"/>
                 <a:ea typeface="微软雅黑" pitchFamily="34" charset="-122"/>
               </a:rPr>
-              <a:t>邀请您与公司智能家居产品总监</a:t>
+              <a:t>邀请您与</a:t>
+            </a:r>
+            <a:r>
+              <a:rPr lang="zh-CN" altLang="en-US" b="1" dirty="0" smtClean="0">
+                <a:solidFill>
+                  <a:schemeClr val="bg1"/>
+                </a:solidFill>
+                <a:latin typeface="微软雅黑" pitchFamily="34" charset="-122"/>
+                <a:ea typeface="微软雅黑" pitchFamily="34" charset="-122"/>
+              </a:rPr>
+              <a:t>智能家居产品总监</a:t>
             </a:r>
             <a:r>
               <a:rPr lang="zh-CN" altLang="en-US" sz="2400" dirty="0" smtClean="0">
@@ -3729,7 +3742,7 @@
           </a:effectLst>
         </p:spPr>
         <p:txBody>
-          <a:bodyPr vert="horz" wrap="square" lIns="91440" tIns="45720" rIns="91440" bIns="45720" numCol="1" rtlCol="0" anchor="t" anchorCtr="0" compatLnSpc="1">
+          <a:bodyPr vert="horz" wrap="square" lIns="91440" tIns="45720" rIns="91440" bIns="45720" numCol="1" rtlCol="0" anchor="ctr" anchorCtr="1" compatLnSpc="1">
             <a:prstTxWarp prst="textNoShape">
               <a:avLst/>
             </a:prstTxWarp>
@@ -3845,7 +3858,7 @@
           </a:effectLst>
         </p:spPr>
         <p:txBody>
-          <a:bodyPr vert="horz" wrap="square" lIns="91440" tIns="45720" rIns="91440" bIns="45720" numCol="1" rtlCol="0" anchor="t" anchorCtr="0" compatLnSpc="1">
+          <a:bodyPr vert="horz" wrap="square" lIns="91440" tIns="45720" rIns="91440" bIns="45720" numCol="1" rtlCol="0" anchor="ctr" anchorCtr="1" compatLnSpc="1">
             <a:prstTxWarp prst="textNoShape">
               <a:avLst/>
             </a:prstTxWarp>
@@ -3956,7 +3969,7 @@
           </a:effectLst>
         </p:spPr>
         <p:txBody>
-          <a:bodyPr vert="horz" wrap="square" lIns="91440" tIns="45720" rIns="91440" bIns="45720" numCol="1" rtlCol="0" anchor="t" anchorCtr="0" compatLnSpc="1">
+          <a:bodyPr vert="horz" wrap="square" lIns="91440" tIns="45720" rIns="91440" bIns="45720" numCol="1" rtlCol="0" anchor="ctr" anchorCtr="1" compatLnSpc="1">
             <a:prstTxWarp prst="textNoShape">
               <a:avLst/>
             </a:prstTxWarp>
@@ -4067,7 +4080,7 @@
           </a:effectLst>
         </p:spPr>
         <p:txBody>
-          <a:bodyPr vert="horz" wrap="square" lIns="91440" tIns="45720" rIns="91440" bIns="45720" numCol="1" rtlCol="0" anchor="t" anchorCtr="0" compatLnSpc="1">
+          <a:bodyPr vert="horz" wrap="square" lIns="91440" tIns="45720" rIns="91440" bIns="45720" numCol="1" rtlCol="0" anchor="ctr" anchorCtr="1" compatLnSpc="1">
             <a:prstTxWarp prst="textNoShape">
               <a:avLst/>
             </a:prstTxWarp>
@@ -4178,7 +4191,7 @@
           </a:effectLst>
         </p:spPr>
         <p:txBody>
-          <a:bodyPr vert="horz" wrap="square" lIns="91440" tIns="45720" rIns="91440" bIns="45720" numCol="1" rtlCol="0" anchor="t" anchorCtr="0" compatLnSpc="1">
+          <a:bodyPr vert="horz" wrap="square" lIns="91440" tIns="45720" rIns="91440" bIns="45720" numCol="1" rtlCol="0" anchor="ctr" anchorCtr="1" compatLnSpc="1">
             <a:prstTxWarp prst="textNoShape">
               <a:avLst/>
             </a:prstTxWarp>
@@ -4227,7 +4240,7 @@
         </p:nvSpPr>
         <p:spPr>
           <a:xfrm>
-            <a:off x="755576" y="3172906"/>
+            <a:off x="755576" y="3244914"/>
             <a:ext cx="4176464" cy="400110"/>
           </a:xfrm>
           <a:prstGeom prst="rect">
@@ -4269,7 +4282,7 @@
                 <a:latin typeface="微软雅黑" pitchFamily="34" charset="-122"/>
                 <a:ea typeface="微软雅黑" pitchFamily="34" charset="-122"/>
               </a:rPr>
-              <a:t>13</a:t>
+              <a:t>20</a:t>
             </a:r>
             <a:r>
               <a:rPr lang="zh-CN" altLang="en-US" sz="2000" dirty="0" smtClean="0">
@@ -4279,7 +4292,7 @@
                 <a:latin typeface="微软雅黑" pitchFamily="34" charset="-122"/>
                 <a:ea typeface="微软雅黑" pitchFamily="34" charset="-122"/>
               </a:rPr>
-              <a:t>日 </a:t>
+              <a:t>日 下午</a:t>
             </a:r>
             <a:r>
               <a:rPr lang="en-US" altLang="zh-CN" sz="2000" dirty="0" smtClean="0">
@@ -4289,7 +4302,7 @@
                 <a:latin typeface="微软雅黑" pitchFamily="34" charset="-122"/>
                 <a:ea typeface="微软雅黑" pitchFamily="34" charset="-122"/>
               </a:rPr>
-              <a:t>14</a:t>
+              <a:t>6</a:t>
             </a:r>
             <a:r>
               <a:rPr lang="zh-CN" altLang="en-US" sz="2000" dirty="0" smtClean="0">
@@ -4309,7 +4322,7 @@
                 <a:latin typeface="微软雅黑" pitchFamily="34" charset="-122"/>
                 <a:ea typeface="微软雅黑" pitchFamily="34" charset="-122"/>
               </a:rPr>
-              <a:t>00</a:t>
+              <a:t>40</a:t>
             </a:r>
             <a:r>
               <a:rPr lang="zh-CN" altLang="en-US" sz="2000" dirty="0" smtClean="0">
@@ -5991,6 +6004,1630 @@
   <p:clrMapOvr>
     <a:masterClrMapping/>
   </p:clrMapOvr>
+</p:sld>
+</file>
+
+<file path=ppt/slides/slide4.xml><?xml version="1.0" encoding="utf-8"?>
+<p:sld xmlns:a="http://schemas.openxmlformats.org/drawingml/2006/main" xmlns:r="http://schemas.openxmlformats.org/officeDocument/2006/relationships" xmlns:p="http://schemas.openxmlformats.org/presentationml/2006/main">
+  <p:cSld>
+    <p:spTree>
+      <p:nvGrpSpPr>
+        <p:cNvPr id="1" name=""/>
+        <p:cNvGrpSpPr/>
+        <p:nvPr/>
+      </p:nvGrpSpPr>
+      <p:grpSpPr>
+        <a:xfrm>
+          <a:off x="0" y="0"/>
+          <a:ext cx="0" cy="0"/>
+          <a:chOff x="0" y="0"/>
+          <a:chExt cx="0" cy="0"/>
+        </a:xfrm>
+      </p:grpSpPr>
+      <p:sp>
+        <p:nvSpPr>
+          <p:cNvPr id="4" name="等于号 3"/>
+          <p:cNvSpPr/>
+          <p:nvPr/>
+        </p:nvSpPr>
+        <p:spPr bwMode="auto">
+          <a:xfrm>
+            <a:off x="4925178" y="3120716"/>
+            <a:ext cx="845389" cy="414064"/>
+          </a:xfrm>
+          <a:prstGeom prst="mathEqual">
+            <a:avLst/>
+          </a:prstGeom>
+          <a:solidFill>
+            <a:schemeClr val="tx1">
+              <a:lumMod val="50000"/>
+              <a:lumOff val="50000"/>
+            </a:schemeClr>
+          </a:solidFill>
+          <a:ln w="9525" cap="flat" cmpd="sng" algn="ctr">
+            <a:noFill/>
+            <a:prstDash val="solid"/>
+            <a:round/>
+            <a:headEnd type="none" w="med" len="med"/>
+            <a:tailEnd type="none" w="med" len="med"/>
+          </a:ln>
+          <a:effectLst/>
+        </p:spPr>
+        <p:txBody>
+          <a:bodyPr vert="horz" wrap="square" lIns="91440" tIns="45720" rIns="91440" bIns="45720" numCol="1" rtlCol="0" anchor="t" anchorCtr="0" compatLnSpc="1">
+            <a:prstTxWarp prst="textNoShape">
+              <a:avLst/>
+            </a:prstTxWarp>
+          </a:bodyPr>
+          <a:lstStyle/>
+          <a:p>
+            <a:pPr marL="0" marR="0" indent="0" algn="l" defTabSz="457200" rtl="0" eaLnBrk="1" fontAlgn="base" latinLnBrk="0" hangingPunct="1">
+              <a:lnSpc>
+                <a:spcPct val="100000"/>
+              </a:lnSpc>
+              <a:spcBef>
+                <a:spcPct val="0"/>
+              </a:spcBef>
+              <a:spcAft>
+                <a:spcPct val="0"/>
+              </a:spcAft>
+              <a:buClrTx/>
+              <a:buSzTx/>
+              <a:buFont typeface="Arial" pitchFamily="34" charset="0"/>
+              <a:buNone/>
+              <a:tabLst/>
+            </a:pPr>
+            <a:endParaRPr kumimoji="0" lang="zh-CN" altLang="en-US" sz="1800" b="0" i="0" u="none" strike="noStrike" cap="none" normalizeH="0" baseline="0" smtClean="0">
+              <a:ln>
+                <a:noFill/>
+              </a:ln>
+              <a:solidFill>
+                <a:schemeClr val="tx1"/>
+              </a:solidFill>
+              <a:effectLst/>
+              <a:latin typeface="Calibri" pitchFamily="34" charset="0"/>
+              <a:ea typeface="宋体" pitchFamily="2" charset="-122"/>
+              <a:cs typeface="Arial" pitchFamily="34" charset="0"/>
+            </a:endParaRPr>
+          </a:p>
+        </p:txBody>
+      </p:sp>
+      <p:sp>
+        <p:nvSpPr>
+          <p:cNvPr id="5" name="加号 4"/>
+          <p:cNvSpPr/>
+          <p:nvPr/>
+        </p:nvSpPr>
+        <p:spPr bwMode="auto">
+          <a:xfrm>
+            <a:off x="2622937" y="3116421"/>
+            <a:ext cx="448574" cy="422694"/>
+          </a:xfrm>
+          <a:prstGeom prst="mathPlus">
+            <a:avLst/>
+          </a:prstGeom>
+          <a:solidFill>
+            <a:schemeClr val="tx1">
+              <a:lumMod val="50000"/>
+              <a:lumOff val="50000"/>
+            </a:schemeClr>
+          </a:solidFill>
+          <a:ln w="9525" cap="flat" cmpd="sng" algn="ctr">
+            <a:noFill/>
+            <a:prstDash val="solid"/>
+            <a:round/>
+            <a:headEnd type="none" w="med" len="med"/>
+            <a:tailEnd type="none" w="med" len="med"/>
+          </a:ln>
+          <a:effectLst/>
+        </p:spPr>
+        <p:txBody>
+          <a:bodyPr vert="horz" wrap="square" lIns="91440" tIns="45720" rIns="91440" bIns="45720" numCol="1" rtlCol="0" anchor="t" anchorCtr="0" compatLnSpc="1">
+            <a:prstTxWarp prst="textNoShape">
+              <a:avLst/>
+            </a:prstTxWarp>
+          </a:bodyPr>
+          <a:lstStyle/>
+          <a:p>
+            <a:pPr marL="0" marR="0" indent="0" algn="l" defTabSz="457200" rtl="0" eaLnBrk="1" fontAlgn="base" latinLnBrk="0" hangingPunct="1">
+              <a:lnSpc>
+                <a:spcPct val="100000"/>
+              </a:lnSpc>
+              <a:spcBef>
+                <a:spcPct val="0"/>
+              </a:spcBef>
+              <a:spcAft>
+                <a:spcPct val="0"/>
+              </a:spcAft>
+              <a:buClrTx/>
+              <a:buSzTx/>
+              <a:buFont typeface="Arial" pitchFamily="34" charset="0"/>
+              <a:buNone/>
+              <a:tabLst/>
+            </a:pPr>
+            <a:endParaRPr kumimoji="0" lang="zh-CN" altLang="en-US" sz="1800" b="0" i="0" u="none" strike="noStrike" cap="none" normalizeH="0" baseline="0" dirty="0" smtClean="0">
+              <a:ln>
+                <a:noFill/>
+              </a:ln>
+              <a:solidFill>
+                <a:schemeClr val="bg2">
+                  <a:lumMod val="90000"/>
+                </a:schemeClr>
+              </a:solidFill>
+              <a:effectLst/>
+              <a:latin typeface="Calibri" pitchFamily="34" charset="0"/>
+              <a:ea typeface="宋体" pitchFamily="2" charset="-122"/>
+              <a:cs typeface="Arial" pitchFamily="34" charset="0"/>
+            </a:endParaRPr>
+          </a:p>
+        </p:txBody>
+      </p:sp>
+      <p:sp>
+        <p:nvSpPr>
+          <p:cNvPr id="6" name="矩形 5"/>
+          <p:cNvSpPr/>
+          <p:nvPr/>
+        </p:nvSpPr>
+        <p:spPr bwMode="auto">
+          <a:xfrm>
+            <a:off x="827584" y="2996952"/>
+            <a:ext cx="1740603" cy="592589"/>
+          </a:xfrm>
+          <a:prstGeom prst="rect">
+            <a:avLst/>
+          </a:prstGeom>
+          <a:solidFill>
+            <a:schemeClr val="accent3">
+              <a:lumMod val="75000"/>
+            </a:schemeClr>
+          </a:solidFill>
+          <a:ln w="9525" cap="flat" cmpd="sng" algn="ctr">
+            <a:noFill/>
+            <a:prstDash val="solid"/>
+            <a:round/>
+            <a:headEnd type="none" w="med" len="med"/>
+            <a:tailEnd type="none" w="med" len="med"/>
+          </a:ln>
+          <a:effectLst>
+            <a:outerShdw blurRad="63500" sx="102000" sy="102000" algn="ctr" rotWithShape="0">
+              <a:prstClr val="black">
+                <a:alpha val="40000"/>
+              </a:prstClr>
+            </a:outerShdw>
+          </a:effectLst>
+        </p:spPr>
+        <p:txBody>
+          <a:bodyPr vert="horz" wrap="square" lIns="91440" tIns="45720" rIns="91440" bIns="45720" numCol="1" rtlCol="0" anchor="ctr" anchorCtr="1" compatLnSpc="1">
+            <a:prstTxWarp prst="textNoShape">
+              <a:avLst/>
+            </a:prstTxWarp>
+          </a:bodyPr>
+          <a:lstStyle/>
+          <a:p>
+            <a:pPr marL="0" marR="0" indent="0" algn="l" defTabSz="457200" rtl="0" eaLnBrk="1" fontAlgn="base" latinLnBrk="0" hangingPunct="1">
+              <a:lnSpc>
+                <a:spcPct val="100000"/>
+              </a:lnSpc>
+              <a:spcBef>
+                <a:spcPct val="0"/>
+              </a:spcBef>
+              <a:spcAft>
+                <a:spcPct val="0"/>
+              </a:spcAft>
+              <a:buClrTx/>
+              <a:buSzTx/>
+              <a:buFont typeface="Arial" pitchFamily="34" charset="0"/>
+              <a:buNone/>
+              <a:tabLst/>
+            </a:pPr>
+            <a:r>
+              <a:rPr lang="zh-CN" altLang="en-US" sz="2000" dirty="0" smtClean="0">
+                <a:solidFill>
+                  <a:schemeClr val="bg1"/>
+                </a:solidFill>
+                <a:latin typeface="微软雅黑" pitchFamily="34" charset="-122"/>
+                <a:ea typeface="微软雅黑" pitchFamily="34" charset="-122"/>
+              </a:rPr>
+              <a:t>单板端口定义</a:t>
+            </a:r>
+            <a:endParaRPr kumimoji="0" lang="zh-CN" altLang="en-US" sz="2000" b="0" i="0" u="none" strike="noStrike" cap="none" normalizeH="0" baseline="0" dirty="0" smtClean="0">
+              <a:ln>
+                <a:noFill/>
+              </a:ln>
+              <a:solidFill>
+                <a:schemeClr val="bg1"/>
+              </a:solidFill>
+              <a:effectLst/>
+              <a:latin typeface="微软雅黑" pitchFamily="34" charset="-122"/>
+              <a:ea typeface="微软雅黑" pitchFamily="34" charset="-122"/>
+            </a:endParaRPr>
+          </a:p>
+        </p:txBody>
+      </p:sp>
+      <p:sp>
+        <p:nvSpPr>
+          <p:cNvPr id="7" name="矩形 6"/>
+          <p:cNvSpPr/>
+          <p:nvPr/>
+        </p:nvSpPr>
+        <p:spPr bwMode="auto">
+          <a:xfrm>
+            <a:off x="3131840" y="2996952"/>
+            <a:ext cx="1800200" cy="648072"/>
+          </a:xfrm>
+          <a:prstGeom prst="rect">
+            <a:avLst/>
+          </a:prstGeom>
+          <a:solidFill>
+            <a:schemeClr val="accent4"/>
+          </a:solidFill>
+          <a:ln w="9525" cap="flat" cmpd="sng" algn="ctr">
+            <a:noFill/>
+            <a:prstDash val="solid"/>
+            <a:round/>
+            <a:headEnd type="none" w="med" len="med"/>
+            <a:tailEnd type="none" w="med" len="med"/>
+          </a:ln>
+          <a:effectLst>
+            <a:outerShdw blurRad="63500" sx="102000" sy="102000" algn="ctr" rotWithShape="0">
+              <a:prstClr val="black">
+                <a:alpha val="40000"/>
+              </a:prstClr>
+            </a:outerShdw>
+          </a:effectLst>
+        </p:spPr>
+        <p:txBody>
+          <a:bodyPr vert="horz" wrap="square" lIns="91440" tIns="45720" rIns="91440" bIns="45720" numCol="1" rtlCol="0" anchor="ctr" anchorCtr="1" compatLnSpc="1">
+            <a:prstTxWarp prst="textNoShape">
+              <a:avLst/>
+            </a:prstTxWarp>
+          </a:bodyPr>
+          <a:lstStyle/>
+          <a:p>
+            <a:pPr marL="0" marR="0" indent="0" algn="l" defTabSz="457200" rtl="0" eaLnBrk="1" fontAlgn="base" latinLnBrk="0" hangingPunct="1">
+              <a:lnSpc>
+                <a:spcPct val="100000"/>
+              </a:lnSpc>
+              <a:spcBef>
+                <a:spcPct val="0"/>
+              </a:spcBef>
+              <a:spcAft>
+                <a:spcPct val="0"/>
+              </a:spcAft>
+              <a:buClrTx/>
+              <a:buSzTx/>
+              <a:buFont typeface="Arial" pitchFamily="34" charset="0"/>
+              <a:buNone/>
+              <a:tabLst/>
+            </a:pPr>
+            <a:r>
+              <a:rPr lang="zh-CN" altLang="en-US" sz="2000" dirty="0" smtClean="0">
+                <a:solidFill>
+                  <a:schemeClr val="bg1"/>
+                </a:solidFill>
+                <a:latin typeface="微软雅黑" pitchFamily="34" charset="-122"/>
+                <a:ea typeface="微软雅黑" pitchFamily="34" charset="-122"/>
+              </a:rPr>
+              <a:t>实时单板</a:t>
+            </a:r>
+            <a:endParaRPr lang="en-US" altLang="zh-CN" sz="2000" dirty="0" smtClean="0">
+              <a:solidFill>
+                <a:schemeClr val="bg1"/>
+              </a:solidFill>
+              <a:latin typeface="微软雅黑" pitchFamily="34" charset="-122"/>
+              <a:ea typeface="微软雅黑" pitchFamily="34" charset="-122"/>
+            </a:endParaRPr>
+          </a:p>
+          <a:p>
+            <a:pPr marL="0" marR="0" indent="0" algn="l" defTabSz="457200" rtl="0" eaLnBrk="1" fontAlgn="base" latinLnBrk="0" hangingPunct="1">
+              <a:lnSpc>
+                <a:spcPct val="100000"/>
+              </a:lnSpc>
+              <a:spcBef>
+                <a:spcPct val="0"/>
+              </a:spcBef>
+              <a:spcAft>
+                <a:spcPct val="0"/>
+              </a:spcAft>
+              <a:buClrTx/>
+              <a:buSzTx/>
+              <a:buFont typeface="Arial" pitchFamily="34" charset="0"/>
+              <a:buNone/>
+              <a:tabLst/>
+            </a:pPr>
+            <a:r>
+              <a:rPr lang="zh-CN" altLang="en-US" sz="2000" dirty="0" smtClean="0">
+                <a:solidFill>
+                  <a:schemeClr val="bg1"/>
+                </a:solidFill>
+                <a:latin typeface="微软雅黑" pitchFamily="34" charset="-122"/>
+                <a:ea typeface="微软雅黑" pitchFamily="34" charset="-122"/>
+              </a:rPr>
+              <a:t>端口状态</a:t>
+            </a:r>
+            <a:endParaRPr kumimoji="0" lang="zh-CN" altLang="en-US" sz="2000" b="0" i="0" u="none" strike="noStrike" cap="none" normalizeH="0" baseline="0" dirty="0" smtClean="0">
+              <a:ln>
+                <a:noFill/>
+              </a:ln>
+              <a:solidFill>
+                <a:schemeClr val="bg1"/>
+              </a:solidFill>
+              <a:effectLst/>
+              <a:latin typeface="微软雅黑" pitchFamily="34" charset="-122"/>
+              <a:ea typeface="微软雅黑" pitchFamily="34" charset="-122"/>
+            </a:endParaRPr>
+          </a:p>
+        </p:txBody>
+      </p:sp>
+      <p:sp>
+        <p:nvSpPr>
+          <p:cNvPr id="8" name="椭圆 7"/>
+          <p:cNvSpPr>
+            <a:spLocks noChangeAspect="1"/>
+          </p:cNvSpPr>
+          <p:nvPr/>
+        </p:nvSpPr>
+        <p:spPr bwMode="auto">
+          <a:xfrm>
+            <a:off x="5833802" y="2420888"/>
+            <a:ext cx="1762534" cy="1762434"/>
+          </a:xfrm>
+          <a:prstGeom prst="ellipse">
+            <a:avLst/>
+          </a:prstGeom>
+          <a:solidFill>
+            <a:schemeClr val="accent5"/>
+          </a:solidFill>
+          <a:ln w="9525" cap="flat" cmpd="sng" algn="ctr">
+            <a:noFill/>
+            <a:prstDash val="solid"/>
+            <a:round/>
+            <a:headEnd type="none" w="med" len="med"/>
+            <a:tailEnd type="none" w="med" len="med"/>
+          </a:ln>
+          <a:effectLst>
+            <a:outerShdw blurRad="63500" sx="102000" sy="102000" algn="ctr" rotWithShape="0">
+              <a:prstClr val="black">
+                <a:alpha val="40000"/>
+              </a:prstClr>
+            </a:outerShdw>
+          </a:effectLst>
+        </p:spPr>
+        <p:txBody>
+          <a:bodyPr vert="horz" wrap="square" lIns="91440" tIns="45720" rIns="91440" bIns="45720" numCol="1" rtlCol="0" anchor="ctr" anchorCtr="1" compatLnSpc="1">
+            <a:prstTxWarp prst="textNoShape">
+              <a:avLst/>
+            </a:prstTxWarp>
+          </a:bodyPr>
+          <a:lstStyle/>
+          <a:p>
+            <a:pPr marL="0" marR="0" indent="0" algn="ctr" defTabSz="457200" rtl="0" eaLnBrk="1" fontAlgn="base" latinLnBrk="0" hangingPunct="1">
+              <a:lnSpc>
+                <a:spcPct val="100000"/>
+              </a:lnSpc>
+              <a:spcBef>
+                <a:spcPct val="0"/>
+              </a:spcBef>
+              <a:spcAft>
+                <a:spcPct val="0"/>
+              </a:spcAft>
+              <a:buClrTx/>
+              <a:buSzTx/>
+              <a:buFont typeface="Arial" pitchFamily="34" charset="0"/>
+              <a:buNone/>
+              <a:tabLst/>
+            </a:pPr>
+            <a:r>
+              <a:rPr kumimoji="0" lang="zh-CN" altLang="en-US" sz="2000" b="0" i="0" u="none" strike="noStrike" cap="none" normalizeH="0" baseline="0" dirty="0" smtClean="0">
+                <a:ln>
+                  <a:noFill/>
+                </a:ln>
+                <a:solidFill>
+                  <a:schemeClr val="bg2"/>
+                </a:solidFill>
+                <a:effectLst/>
+                <a:latin typeface="微软雅黑" pitchFamily="34" charset="-122"/>
+                <a:ea typeface="微软雅黑" pitchFamily="34" charset="-122"/>
+              </a:rPr>
+              <a:t>单板端口状态对象</a:t>
+            </a:r>
+          </a:p>
+        </p:txBody>
+      </p:sp>
+    </p:spTree>
+  </p:cSld>
+  <p:clrMapOvr>
+    <a:masterClrMapping/>
+  </p:clrMapOvr>
+</p:sld>
+</file>
+
+<file path=ppt/slides/slide5.xml><?xml version="1.0" encoding="utf-8"?>
+<p:sld xmlns:a="http://schemas.openxmlformats.org/drawingml/2006/main" xmlns:r="http://schemas.openxmlformats.org/officeDocument/2006/relationships" xmlns:p="http://schemas.openxmlformats.org/presentationml/2006/main">
+  <p:cSld>
+    <p:bg>
+      <p:bgPr>
+        <a:blipFill dpi="0" rotWithShape="1">
+          <a:blip r:embed="rId2" cstate="print">
+            <a:lum/>
+          </a:blip>
+          <a:srcRect/>
+          <a:stretch>
+            <a:fillRect l="-1000" r="-1000"/>
+          </a:stretch>
+        </a:blipFill>
+        <a:effectLst/>
+      </p:bgPr>
+    </p:bg>
+    <p:spTree>
+      <p:nvGrpSpPr>
+        <p:cNvPr id="1" name=""/>
+        <p:cNvGrpSpPr/>
+        <p:nvPr/>
+      </p:nvGrpSpPr>
+      <p:grpSpPr>
+        <a:xfrm>
+          <a:off x="0" y="0"/>
+          <a:ext cx="0" cy="0"/>
+          <a:chOff x="0" y="0"/>
+          <a:chExt cx="0" cy="0"/>
+        </a:xfrm>
+      </p:grpSpPr>
+      <p:sp>
+        <p:nvSpPr>
+          <p:cNvPr id="15" name="矩形 14"/>
+          <p:cNvSpPr/>
+          <p:nvPr/>
+        </p:nvSpPr>
+        <p:spPr>
+          <a:xfrm>
+            <a:off x="395536" y="3573016"/>
+            <a:ext cx="3888432" cy="1296144"/>
+          </a:xfrm>
+          <a:prstGeom prst="rect">
+            <a:avLst/>
+          </a:prstGeom>
+          <a:solidFill>
+            <a:schemeClr val="tx1">
+              <a:lumMod val="50000"/>
+              <a:lumOff val="50000"/>
+            </a:schemeClr>
+          </a:solidFill>
+          <a:ln>
+            <a:noFill/>
+          </a:ln>
+        </p:spPr>
+        <p:style>
+          <a:lnRef idx="2">
+            <a:schemeClr val="accent1">
+              <a:shade val="50000"/>
+            </a:schemeClr>
+          </a:lnRef>
+          <a:fillRef idx="1">
+            <a:schemeClr val="accent1"/>
+          </a:fillRef>
+          <a:effectRef idx="0">
+            <a:schemeClr val="accent1"/>
+          </a:effectRef>
+          <a:fontRef idx="minor">
+            <a:schemeClr val="lt1"/>
+          </a:fontRef>
+        </p:style>
+        <p:txBody>
+          <a:bodyPr rtlCol="0" anchor="ctr"/>
+          <a:lstStyle/>
+          <a:p>
+            <a:pPr algn="ctr"/>
+            <a:endParaRPr lang="zh-CN" altLang="en-US" dirty="0">
+              <a:latin typeface="微软雅黑" pitchFamily="34" charset="-122"/>
+              <a:ea typeface="微软雅黑" pitchFamily="34" charset="-122"/>
+            </a:endParaRPr>
+          </a:p>
+        </p:txBody>
+      </p:sp>
+      <p:pic>
+        <p:nvPicPr>
+          <p:cNvPr id="5" name="图片 4" descr="s8495868.jpg"/>
+          <p:cNvPicPr>
+            <a:picLocks noChangeAspect="1"/>
+          </p:cNvPicPr>
+          <p:nvPr/>
+        </p:nvPicPr>
+        <p:blipFill>
+          <a:blip r:embed="rId3" cstate="print"/>
+          <a:stretch>
+            <a:fillRect/>
+          </a:stretch>
+        </p:blipFill>
+        <p:spPr>
+          <a:xfrm>
+            <a:off x="7524328" y="4725144"/>
+            <a:ext cx="1592465" cy="2088232"/>
+          </a:xfrm>
+          <a:prstGeom prst="rect">
+            <a:avLst/>
+          </a:prstGeom>
+        </p:spPr>
+      </p:pic>
+      <p:pic>
+        <p:nvPicPr>
+          <p:cNvPr id="6" name="图片 5" descr="s27261653.jpg"/>
+          <p:cNvPicPr>
+            <a:picLocks noChangeAspect="1"/>
+          </p:cNvPicPr>
+          <p:nvPr/>
+        </p:nvPicPr>
+        <p:blipFill>
+          <a:blip r:embed="rId4" cstate="print"/>
+          <a:stretch>
+            <a:fillRect/>
+          </a:stretch>
+        </p:blipFill>
+        <p:spPr>
+          <a:xfrm>
+            <a:off x="5794017" y="4725145"/>
+            <a:ext cx="1658303" cy="2088232"/>
+          </a:xfrm>
+          <a:prstGeom prst="rect">
+            <a:avLst/>
+          </a:prstGeom>
+        </p:spPr>
+      </p:pic>
+      <p:pic>
+        <p:nvPicPr>
+          <p:cNvPr id="7" name="图片 6" descr="s11136690.jpg"/>
+          <p:cNvPicPr>
+            <a:picLocks noChangeAspect="1"/>
+          </p:cNvPicPr>
+          <p:nvPr/>
+        </p:nvPicPr>
+        <p:blipFill>
+          <a:blip r:embed="rId5" cstate="print"/>
+          <a:stretch>
+            <a:fillRect/>
+          </a:stretch>
+        </p:blipFill>
+        <p:spPr>
+          <a:xfrm>
+            <a:off x="4269836" y="4738585"/>
+            <a:ext cx="1454292" cy="2074791"/>
+          </a:xfrm>
+          <a:prstGeom prst="rect">
+            <a:avLst/>
+          </a:prstGeom>
+        </p:spPr>
+      </p:pic>
+      <p:sp>
+        <p:nvSpPr>
+          <p:cNvPr id="8" name="矩形 7"/>
+          <p:cNvSpPr/>
+          <p:nvPr/>
+        </p:nvSpPr>
+        <p:spPr>
+          <a:xfrm>
+            <a:off x="395536" y="332656"/>
+            <a:ext cx="8136904" cy="3096344"/>
+          </a:xfrm>
+          <a:prstGeom prst="rect">
+            <a:avLst/>
+          </a:prstGeom>
+          <a:solidFill>
+            <a:schemeClr val="bg1">
+              <a:lumMod val="50000"/>
+            </a:schemeClr>
+          </a:solidFill>
+          <a:ln>
+            <a:noFill/>
+          </a:ln>
+        </p:spPr>
+        <p:style>
+          <a:lnRef idx="2">
+            <a:schemeClr val="accent1">
+              <a:shade val="50000"/>
+            </a:schemeClr>
+          </a:lnRef>
+          <a:fillRef idx="1">
+            <a:schemeClr val="accent1"/>
+          </a:fillRef>
+          <a:effectRef idx="0">
+            <a:schemeClr val="accent1"/>
+          </a:effectRef>
+          <a:fontRef idx="minor">
+            <a:schemeClr val="lt1"/>
+          </a:fontRef>
+        </p:style>
+        <p:txBody>
+          <a:bodyPr rtlCol="0" anchor="ctr"/>
+          <a:lstStyle/>
+          <a:p>
+            <a:pPr algn="ctr"/>
+            <a:endParaRPr lang="zh-CN" altLang="en-US" dirty="0">
+              <a:latin typeface="微软雅黑" pitchFamily="34" charset="-122"/>
+              <a:ea typeface="微软雅黑" pitchFamily="34" charset="-122"/>
+            </a:endParaRPr>
+          </a:p>
+        </p:txBody>
+      </p:sp>
+      <p:sp>
+        <p:nvSpPr>
+          <p:cNvPr id="9" name="TextBox 8"/>
+          <p:cNvSpPr txBox="1"/>
+          <p:nvPr/>
+        </p:nvSpPr>
+        <p:spPr>
+          <a:xfrm>
+            <a:off x="755576" y="476672"/>
+            <a:ext cx="3888432" cy="646331"/>
+          </a:xfrm>
+          <a:prstGeom prst="rect">
+            <a:avLst/>
+          </a:prstGeom>
+          <a:noFill/>
+        </p:spPr>
+        <p:txBody>
+          <a:bodyPr wrap="square" rtlCol="0">
+            <a:spAutoFit/>
+          </a:bodyPr>
+          <a:lstStyle/>
+          <a:p>
+            <a:r>
+              <a:rPr lang="zh-CN" altLang="en-US" sz="3600" dirty="0" smtClean="0">
+                <a:solidFill>
+                  <a:srgbClr val="92D050"/>
+                </a:solidFill>
+                <a:latin typeface="微软雅黑" pitchFamily="34" charset="-122"/>
+                <a:ea typeface="微软雅黑" pitchFamily="34" charset="-122"/>
+              </a:rPr>
+              <a:t>游戏</a:t>
+            </a:r>
+            <a:r>
+              <a:rPr lang="zh-CN" altLang="en-US" sz="3600" dirty="0" smtClean="0">
+                <a:solidFill>
+                  <a:srgbClr val="92D050"/>
+                </a:solidFill>
+                <a:latin typeface="微软雅黑" pitchFamily="34" charset="-122"/>
+                <a:ea typeface="微软雅黑" pitchFamily="34" charset="-122"/>
+              </a:rPr>
+              <a:t>工作坊</a:t>
+            </a:r>
+            <a:endParaRPr lang="zh-CN" altLang="en-US" sz="3600" dirty="0">
+              <a:solidFill>
+                <a:srgbClr val="92D050"/>
+              </a:solidFill>
+              <a:latin typeface="微软雅黑" pitchFamily="34" charset="-122"/>
+              <a:ea typeface="微软雅黑" pitchFamily="34" charset="-122"/>
+            </a:endParaRPr>
+          </a:p>
+        </p:txBody>
+      </p:sp>
+      <p:cxnSp>
+        <p:nvCxnSpPr>
+          <p:cNvPr id="10" name="直接连接符 9"/>
+          <p:cNvCxnSpPr/>
+          <p:nvPr/>
+        </p:nvCxnSpPr>
+        <p:spPr>
+          <a:xfrm>
+            <a:off x="827584" y="1196752"/>
+            <a:ext cx="2304256" cy="0"/>
+          </a:xfrm>
+          <a:prstGeom prst="line">
+            <a:avLst/>
+          </a:prstGeom>
+          <a:ln>
+            <a:solidFill>
+              <a:schemeClr val="bg1"/>
+            </a:solidFill>
+          </a:ln>
+        </p:spPr>
+        <p:style>
+          <a:lnRef idx="1">
+            <a:schemeClr val="accent1"/>
+          </a:lnRef>
+          <a:fillRef idx="0">
+            <a:schemeClr val="accent1"/>
+          </a:fillRef>
+          <a:effectRef idx="0">
+            <a:schemeClr val="accent1"/>
+          </a:effectRef>
+          <a:fontRef idx="minor">
+            <a:schemeClr val="tx1"/>
+          </a:fontRef>
+        </p:style>
+      </p:cxnSp>
+      <p:sp>
+        <p:nvSpPr>
+          <p:cNvPr id="12" name="TextBox 11"/>
+          <p:cNvSpPr txBox="1"/>
+          <p:nvPr/>
+        </p:nvSpPr>
+        <p:spPr>
+          <a:xfrm>
+            <a:off x="539552" y="3789040"/>
+            <a:ext cx="4176464" cy="874407"/>
+          </a:xfrm>
+          <a:prstGeom prst="rect">
+            <a:avLst/>
+          </a:prstGeom>
+          <a:noFill/>
+        </p:spPr>
+        <p:txBody>
+          <a:bodyPr wrap="square" rtlCol="0">
+            <a:spAutoFit/>
+          </a:bodyPr>
+          <a:lstStyle/>
+          <a:p>
+            <a:pPr>
+              <a:lnSpc>
+                <a:spcPct val="150000"/>
+              </a:lnSpc>
+            </a:pPr>
+            <a:r>
+              <a:rPr lang="zh-CN" altLang="en-US" dirty="0" smtClean="0">
+                <a:solidFill>
+                  <a:schemeClr val="bg1"/>
+                </a:solidFill>
+                <a:latin typeface="微软雅黑" pitchFamily="34" charset="-122"/>
+                <a:ea typeface="微软雅黑" pitchFamily="34" charset="-122"/>
+              </a:rPr>
+              <a:t>具体时间、地点视参与人数而定，</a:t>
+            </a:r>
+            <a:endParaRPr lang="en-US" altLang="zh-CN" dirty="0" smtClean="0">
+              <a:solidFill>
+                <a:schemeClr val="bg1"/>
+              </a:solidFill>
+              <a:latin typeface="微软雅黑" pitchFamily="34" charset="-122"/>
+              <a:ea typeface="微软雅黑" pitchFamily="34" charset="-122"/>
+            </a:endParaRPr>
+          </a:p>
+          <a:p>
+            <a:pPr>
+              <a:lnSpc>
+                <a:spcPct val="150000"/>
+              </a:lnSpc>
+            </a:pPr>
+            <a:r>
+              <a:rPr lang="zh-CN" altLang="en-US" dirty="0" smtClean="0">
+                <a:solidFill>
+                  <a:schemeClr val="bg1"/>
+                </a:solidFill>
+                <a:latin typeface="微软雅黑" pitchFamily="34" charset="-122"/>
+                <a:ea typeface="微软雅黑" pitchFamily="34" charset="-122"/>
+              </a:rPr>
+              <a:t>欢迎有兴趣的小伙伴报名！</a:t>
+            </a:r>
+            <a:endParaRPr lang="zh-CN" altLang="en-US" dirty="0">
+              <a:solidFill>
+                <a:schemeClr val="bg1"/>
+              </a:solidFill>
+              <a:latin typeface="微软雅黑" pitchFamily="34" charset="-122"/>
+              <a:ea typeface="微软雅黑" pitchFamily="34" charset="-122"/>
+            </a:endParaRPr>
+          </a:p>
+        </p:txBody>
+      </p:sp>
+      <p:sp>
+        <p:nvSpPr>
+          <p:cNvPr id="13" name="TextBox 12"/>
+          <p:cNvSpPr txBox="1"/>
+          <p:nvPr/>
+        </p:nvSpPr>
+        <p:spPr>
+          <a:xfrm>
+            <a:off x="827584" y="1484784"/>
+            <a:ext cx="6984776" cy="1569660"/>
+          </a:xfrm>
+          <a:prstGeom prst="rect">
+            <a:avLst/>
+          </a:prstGeom>
+          <a:noFill/>
+        </p:spPr>
+        <p:txBody>
+          <a:bodyPr wrap="square" rtlCol="0">
+            <a:spAutoFit/>
+          </a:bodyPr>
+          <a:lstStyle/>
+          <a:p>
+            <a:pPr>
+              <a:lnSpc>
+                <a:spcPct val="150000"/>
+              </a:lnSpc>
+            </a:pPr>
+            <a:r>
+              <a:rPr lang="zh-CN" altLang="en-US" sz="1600" dirty="0" smtClean="0">
+                <a:solidFill>
+                  <a:schemeClr val="bg1"/>
+                </a:solidFill>
+                <a:latin typeface="微软雅黑" pitchFamily="34" charset="-122"/>
+                <a:ea typeface="微软雅黑" pitchFamily="34" charset="-122"/>
+              </a:rPr>
+              <a:t>游戏化（</a:t>
+            </a:r>
+            <a:r>
+              <a:rPr lang="en-US" altLang="zh-CN" sz="1600" dirty="0" smtClean="0">
+                <a:solidFill>
+                  <a:schemeClr val="bg1"/>
+                </a:solidFill>
+                <a:latin typeface="微软雅黑" pitchFamily="34" charset="-122"/>
+                <a:ea typeface="微软雅黑" pitchFamily="34" charset="-122"/>
+              </a:rPr>
+              <a:t>Gamification</a:t>
+            </a:r>
+            <a:r>
+              <a:rPr lang="zh-CN" altLang="en-US" sz="1600" dirty="0" smtClean="0">
+                <a:solidFill>
+                  <a:schemeClr val="bg1"/>
+                </a:solidFill>
+                <a:latin typeface="微软雅黑" pitchFamily="34" charset="-122"/>
+                <a:ea typeface="微软雅黑" pitchFamily="34" charset="-122"/>
+              </a:rPr>
+              <a:t>）将</a:t>
+            </a:r>
+            <a:r>
+              <a:rPr lang="zh-CN" altLang="en-US" sz="1600" dirty="0" smtClean="0">
+                <a:solidFill>
+                  <a:schemeClr val="bg1"/>
+                </a:solidFill>
+                <a:latin typeface="微软雅黑" pitchFamily="34" charset="-122"/>
+                <a:ea typeface="微软雅黑" pitchFamily="34" charset="-122"/>
+              </a:rPr>
+              <a:t>游戏设计的手段应用于非游戏的</a:t>
+            </a:r>
+            <a:r>
+              <a:rPr lang="zh-CN" altLang="en-US" sz="1600" dirty="0" smtClean="0">
+                <a:solidFill>
+                  <a:schemeClr val="bg1"/>
+                </a:solidFill>
+                <a:latin typeface="微软雅黑" pitchFamily="34" charset="-122"/>
+                <a:ea typeface="微软雅黑" pitchFamily="34" charset="-122"/>
+              </a:rPr>
+              <a:t>场景，用</a:t>
+            </a:r>
+            <a:r>
+              <a:rPr lang="zh-CN" altLang="en-US" sz="1600" dirty="0" smtClean="0">
+                <a:solidFill>
+                  <a:schemeClr val="bg1"/>
+                </a:solidFill>
+                <a:latin typeface="微软雅黑" pitchFamily="34" charset="-122"/>
+                <a:ea typeface="微软雅黑" pitchFamily="34" charset="-122"/>
+              </a:rPr>
+              <a:t>游戏的框架，来解决工作生活中一切非游戏的</a:t>
+            </a:r>
+            <a:r>
+              <a:rPr lang="zh-CN" altLang="en-US" sz="1600" dirty="0" smtClean="0">
+                <a:solidFill>
+                  <a:schemeClr val="bg1"/>
+                </a:solidFill>
+                <a:latin typeface="微软雅黑" pitchFamily="34" charset="-122"/>
+                <a:ea typeface="微软雅黑" pitchFamily="34" charset="-122"/>
+              </a:rPr>
+              <a:t>问题。游戏</a:t>
+            </a:r>
+            <a:r>
+              <a:rPr lang="zh-CN" altLang="en-US" sz="1600" dirty="0" smtClean="0">
+                <a:solidFill>
+                  <a:schemeClr val="bg1"/>
+                </a:solidFill>
+                <a:latin typeface="微软雅黑" pitchFamily="34" charset="-122"/>
+                <a:ea typeface="微软雅黑" pitchFamily="34" charset="-122"/>
+              </a:rPr>
+              <a:t>化本质上是一种方法，一种思维方式，它可以应用到任何领域</a:t>
+            </a:r>
+            <a:r>
+              <a:rPr lang="zh-CN" altLang="en-US" sz="1600" dirty="0" smtClean="0">
+                <a:solidFill>
+                  <a:schemeClr val="bg1"/>
+                </a:solidFill>
+                <a:latin typeface="微软雅黑" pitchFamily="34" charset="-122"/>
+                <a:ea typeface="微软雅黑" pitchFamily="34" charset="-122"/>
+              </a:rPr>
+              <a:t>。</a:t>
+            </a:r>
+            <a:endParaRPr lang="en-US" altLang="zh-CN" sz="1600" dirty="0" smtClean="0">
+              <a:solidFill>
+                <a:schemeClr val="bg1"/>
+              </a:solidFill>
+              <a:latin typeface="微软雅黑" pitchFamily="34" charset="-122"/>
+              <a:ea typeface="微软雅黑" pitchFamily="34" charset="-122"/>
+            </a:endParaRPr>
+          </a:p>
+          <a:p>
+            <a:pPr>
+              <a:lnSpc>
+                <a:spcPct val="150000"/>
+              </a:lnSpc>
+            </a:pPr>
+            <a:r>
+              <a:rPr lang="zh-CN" altLang="en-US" sz="1600" dirty="0" smtClean="0">
+                <a:solidFill>
+                  <a:schemeClr val="bg1"/>
+                </a:solidFill>
+                <a:latin typeface="微软雅黑" pitchFamily="34" charset="-122"/>
+                <a:ea typeface="微软雅黑" pitchFamily="34" charset="-122"/>
+              </a:rPr>
+              <a:t>在游戏工作坊中，我们将尝试将其引入软件开发团队的组织和运作中。</a:t>
+            </a:r>
+            <a:endParaRPr lang="zh-CN" altLang="en-US" sz="1600" dirty="0">
+              <a:solidFill>
+                <a:schemeClr val="bg1"/>
+              </a:solidFill>
+              <a:latin typeface="微软雅黑" pitchFamily="34" charset="-122"/>
+              <a:ea typeface="微软雅黑" pitchFamily="34" charset="-122"/>
+            </a:endParaRPr>
+          </a:p>
+        </p:txBody>
+      </p:sp>
+      <p:sp>
+        <p:nvSpPr>
+          <p:cNvPr id="28" name="矩形 27"/>
+          <p:cNvSpPr>
+            <a:spLocks noChangeAspect="1"/>
+          </p:cNvSpPr>
+          <p:nvPr/>
+        </p:nvSpPr>
+        <p:spPr>
+          <a:xfrm>
+            <a:off x="1043608" y="5949088"/>
+            <a:ext cx="504056" cy="504056"/>
+          </a:xfrm>
+          <a:prstGeom prst="rect">
+            <a:avLst/>
+          </a:prstGeom>
+          <a:solidFill>
+            <a:schemeClr val="accent3"/>
+          </a:solidFill>
+          <a:ln>
+            <a:noFill/>
+          </a:ln>
+          <a:effectLst>
+            <a:outerShdw blurRad="50800" dist="38100" dir="8100000" algn="tr" rotWithShape="0">
+              <a:prstClr val="black">
+                <a:alpha val="40000"/>
+              </a:prstClr>
+            </a:outerShdw>
+          </a:effectLst>
+        </p:spPr>
+        <p:style>
+          <a:lnRef idx="2">
+            <a:schemeClr val="accent1">
+              <a:shade val="50000"/>
+            </a:schemeClr>
+          </a:lnRef>
+          <a:fillRef idx="1">
+            <a:schemeClr val="accent1"/>
+          </a:fillRef>
+          <a:effectRef idx="0">
+            <a:schemeClr val="accent1"/>
+          </a:effectRef>
+          <a:fontRef idx="minor">
+            <a:schemeClr val="lt1"/>
+          </a:fontRef>
+        </p:style>
+        <p:txBody>
+          <a:bodyPr rtlCol="0" anchor="ctr"/>
+          <a:lstStyle/>
+          <a:p>
+            <a:pPr algn="ctr"/>
+            <a:endParaRPr lang="zh-CN" altLang="en-US"/>
+          </a:p>
+        </p:txBody>
+      </p:sp>
+      <p:sp>
+        <p:nvSpPr>
+          <p:cNvPr id="29" name="矩形 28"/>
+          <p:cNvSpPr>
+            <a:spLocks noChangeAspect="1"/>
+          </p:cNvSpPr>
+          <p:nvPr/>
+        </p:nvSpPr>
+        <p:spPr>
+          <a:xfrm>
+            <a:off x="1043608" y="5445224"/>
+            <a:ext cx="504056" cy="504056"/>
+          </a:xfrm>
+          <a:prstGeom prst="rect">
+            <a:avLst/>
+          </a:prstGeom>
+          <a:ln>
+            <a:noFill/>
+          </a:ln>
+          <a:effectLst>
+            <a:outerShdw blurRad="50800" dist="38100" dir="13500000" algn="br" rotWithShape="0">
+              <a:prstClr val="black">
+                <a:alpha val="40000"/>
+              </a:prstClr>
+            </a:outerShdw>
+          </a:effectLst>
+        </p:spPr>
+        <p:style>
+          <a:lnRef idx="2">
+            <a:schemeClr val="accent1">
+              <a:shade val="50000"/>
+            </a:schemeClr>
+          </a:lnRef>
+          <a:fillRef idx="1">
+            <a:schemeClr val="accent1"/>
+          </a:fillRef>
+          <a:effectRef idx="0">
+            <a:schemeClr val="accent1"/>
+          </a:effectRef>
+          <a:fontRef idx="minor">
+            <a:schemeClr val="lt1"/>
+          </a:fontRef>
+        </p:style>
+        <p:txBody>
+          <a:bodyPr rtlCol="0" anchor="ctr"/>
+          <a:lstStyle/>
+          <a:p>
+            <a:pPr algn="ctr"/>
+            <a:endParaRPr lang="zh-CN" altLang="en-US"/>
+          </a:p>
+        </p:txBody>
+      </p:sp>
+      <p:sp>
+        <p:nvSpPr>
+          <p:cNvPr id="30" name="矩形 29"/>
+          <p:cNvSpPr>
+            <a:spLocks noChangeAspect="1"/>
+          </p:cNvSpPr>
+          <p:nvPr/>
+        </p:nvSpPr>
+        <p:spPr>
+          <a:xfrm>
+            <a:off x="1547664" y="5949280"/>
+            <a:ext cx="504056" cy="504056"/>
+          </a:xfrm>
+          <a:prstGeom prst="rect">
+            <a:avLst/>
+          </a:prstGeom>
+          <a:solidFill>
+            <a:srgbClr val="FFFF00"/>
+          </a:solidFill>
+          <a:ln>
+            <a:noFill/>
+          </a:ln>
+          <a:effectLst>
+            <a:outerShdw blurRad="50800" dist="38100" dir="2700000" algn="tl" rotWithShape="0">
+              <a:prstClr val="black">
+                <a:alpha val="40000"/>
+              </a:prstClr>
+            </a:outerShdw>
+          </a:effectLst>
+        </p:spPr>
+        <p:style>
+          <a:lnRef idx="2">
+            <a:schemeClr val="accent1">
+              <a:shade val="50000"/>
+            </a:schemeClr>
+          </a:lnRef>
+          <a:fillRef idx="1">
+            <a:schemeClr val="accent1"/>
+          </a:fillRef>
+          <a:effectRef idx="0">
+            <a:schemeClr val="accent1"/>
+          </a:effectRef>
+          <a:fontRef idx="minor">
+            <a:schemeClr val="lt1"/>
+          </a:fontRef>
+        </p:style>
+        <p:txBody>
+          <a:bodyPr rtlCol="0" anchor="ctr"/>
+          <a:lstStyle/>
+          <a:p>
+            <a:pPr algn="ctr"/>
+            <a:endParaRPr lang="zh-CN" altLang="en-US"/>
+          </a:p>
+        </p:txBody>
+      </p:sp>
+      <p:sp>
+        <p:nvSpPr>
+          <p:cNvPr id="31" name="矩形 30"/>
+          <p:cNvSpPr>
+            <a:spLocks noChangeAspect="1"/>
+          </p:cNvSpPr>
+          <p:nvPr/>
+        </p:nvSpPr>
+        <p:spPr>
+          <a:xfrm>
+            <a:off x="1547664" y="5445224"/>
+            <a:ext cx="504056" cy="504056"/>
+          </a:xfrm>
+          <a:prstGeom prst="rect">
+            <a:avLst/>
+          </a:prstGeom>
+          <a:solidFill>
+            <a:schemeClr val="accent6">
+              <a:lumMod val="75000"/>
+            </a:schemeClr>
+          </a:solidFill>
+          <a:ln>
+            <a:noFill/>
+          </a:ln>
+          <a:effectLst>
+            <a:outerShdw blurRad="50800" dist="38100" dir="18900000" algn="bl" rotWithShape="0">
+              <a:prstClr val="black">
+                <a:alpha val="40000"/>
+              </a:prstClr>
+            </a:outerShdw>
+          </a:effectLst>
+        </p:spPr>
+        <p:style>
+          <a:lnRef idx="2">
+            <a:schemeClr val="accent1">
+              <a:shade val="50000"/>
+            </a:schemeClr>
+          </a:lnRef>
+          <a:fillRef idx="1">
+            <a:schemeClr val="accent1"/>
+          </a:fillRef>
+          <a:effectRef idx="0">
+            <a:schemeClr val="accent1"/>
+          </a:effectRef>
+          <a:fontRef idx="minor">
+            <a:schemeClr val="lt1"/>
+          </a:fontRef>
+        </p:style>
+        <p:txBody>
+          <a:bodyPr rtlCol="0" anchor="ctr"/>
+          <a:lstStyle/>
+          <a:p>
+            <a:pPr algn="ctr"/>
+            <a:endParaRPr lang="zh-CN" altLang="en-US"/>
+          </a:p>
+        </p:txBody>
+      </p:sp>
+    </p:spTree>
+  </p:cSld>
+  <p:clrMapOvr>
+    <a:masterClrMapping/>
+  </p:clrMapOvr>
+  <p:timing>
+    <p:tnLst>
+      <p:par>
+        <p:cTn id="1" dur="indefinite" restart="never" nodeType="tmRoot"/>
+      </p:par>
+    </p:tnLst>
+  </p:timing>
+</p:sld>
+</file>
+
+<file path=ppt/slides/slide6.xml><?xml version="1.0" encoding="utf-8"?>
+<p:sld xmlns:a="http://schemas.openxmlformats.org/drawingml/2006/main" xmlns:r="http://schemas.openxmlformats.org/officeDocument/2006/relationships" xmlns:p="http://schemas.openxmlformats.org/presentationml/2006/main">
+  <p:cSld>
+    <p:spTree>
+      <p:nvGrpSpPr>
+        <p:cNvPr id="1" name=""/>
+        <p:cNvGrpSpPr/>
+        <p:nvPr/>
+      </p:nvGrpSpPr>
+      <p:grpSpPr>
+        <a:xfrm>
+          <a:off x="0" y="0"/>
+          <a:ext cx="0" cy="0"/>
+          <a:chOff x="0" y="0"/>
+          <a:chExt cx="0" cy="0"/>
+        </a:xfrm>
+      </p:grpSpPr>
+      <p:sp>
+        <p:nvSpPr>
+          <p:cNvPr id="13" name="直角三角形 12"/>
+          <p:cNvSpPr>
+            <a:spLocks noChangeAspect="1"/>
+          </p:cNvSpPr>
+          <p:nvPr/>
+        </p:nvSpPr>
+        <p:spPr>
+          <a:xfrm>
+            <a:off x="2915816" y="4581128"/>
+            <a:ext cx="691277" cy="720080"/>
+          </a:xfrm>
+          <a:prstGeom prst="rtTriangle">
+            <a:avLst/>
+          </a:prstGeom>
+          <a:solidFill>
+            <a:schemeClr val="accent6">
+              <a:lumMod val="75000"/>
+            </a:schemeClr>
+          </a:solidFill>
+          <a:ln>
+            <a:noFill/>
+          </a:ln>
+        </p:spPr>
+        <p:style>
+          <a:lnRef idx="2">
+            <a:schemeClr val="accent1">
+              <a:shade val="50000"/>
+            </a:schemeClr>
+          </a:lnRef>
+          <a:fillRef idx="1">
+            <a:schemeClr val="accent1"/>
+          </a:fillRef>
+          <a:effectRef idx="0">
+            <a:schemeClr val="accent1"/>
+          </a:effectRef>
+          <a:fontRef idx="minor">
+            <a:schemeClr val="lt1"/>
+          </a:fontRef>
+        </p:style>
+        <p:txBody>
+          <a:bodyPr rtlCol="0" anchor="ctr"/>
+          <a:lstStyle/>
+          <a:p>
+            <a:pPr algn="ctr"/>
+            <a:endParaRPr lang="zh-CN" altLang="en-US"/>
+          </a:p>
+        </p:txBody>
+      </p:sp>
+      <p:sp>
+        <p:nvSpPr>
+          <p:cNvPr id="14" name="直角三角形 13"/>
+          <p:cNvSpPr/>
+          <p:nvPr/>
+        </p:nvSpPr>
+        <p:spPr>
+          <a:xfrm>
+            <a:off x="2987824" y="2852936"/>
+            <a:ext cx="864000" cy="900000"/>
+          </a:xfrm>
+          <a:prstGeom prst="rtTriangle">
+            <a:avLst/>
+          </a:prstGeom>
+          <a:solidFill>
+            <a:schemeClr val="accent6">
+              <a:lumMod val="75000"/>
+            </a:schemeClr>
+          </a:solidFill>
+          <a:ln>
+            <a:noFill/>
+          </a:ln>
+        </p:spPr>
+        <p:style>
+          <a:lnRef idx="2">
+            <a:schemeClr val="accent1">
+              <a:shade val="50000"/>
+            </a:schemeClr>
+          </a:lnRef>
+          <a:fillRef idx="1">
+            <a:schemeClr val="accent1"/>
+          </a:fillRef>
+          <a:effectRef idx="0">
+            <a:schemeClr val="accent1"/>
+          </a:effectRef>
+          <a:fontRef idx="minor">
+            <a:schemeClr val="lt1"/>
+          </a:fontRef>
+        </p:style>
+        <p:txBody>
+          <a:bodyPr rtlCol="0" anchor="ctr"/>
+          <a:lstStyle/>
+          <a:p>
+            <a:pPr algn="ctr"/>
+            <a:endParaRPr lang="zh-CN" altLang="en-US"/>
+          </a:p>
+        </p:txBody>
+      </p:sp>
+      <p:sp>
+        <p:nvSpPr>
+          <p:cNvPr id="15" name="直角三角形 14"/>
+          <p:cNvSpPr/>
+          <p:nvPr/>
+        </p:nvSpPr>
+        <p:spPr>
+          <a:xfrm>
+            <a:off x="0" y="5958000"/>
+            <a:ext cx="864000" cy="900000"/>
+          </a:xfrm>
+          <a:prstGeom prst="rtTriangle">
+            <a:avLst/>
+          </a:prstGeom>
+          <a:solidFill>
+            <a:schemeClr val="accent6">
+              <a:lumMod val="75000"/>
+            </a:schemeClr>
+          </a:solidFill>
+          <a:ln>
+            <a:noFill/>
+          </a:ln>
+        </p:spPr>
+        <p:style>
+          <a:lnRef idx="2">
+            <a:schemeClr val="accent1">
+              <a:shade val="50000"/>
+            </a:schemeClr>
+          </a:lnRef>
+          <a:fillRef idx="1">
+            <a:schemeClr val="accent1"/>
+          </a:fillRef>
+          <a:effectRef idx="0">
+            <a:schemeClr val="accent1"/>
+          </a:effectRef>
+          <a:fontRef idx="minor">
+            <a:schemeClr val="lt1"/>
+          </a:fontRef>
+        </p:style>
+        <p:txBody>
+          <a:bodyPr rtlCol="0" anchor="ctr"/>
+          <a:lstStyle/>
+          <a:p>
+            <a:pPr algn="ctr"/>
+            <a:endParaRPr lang="zh-CN" altLang="en-US"/>
+          </a:p>
+        </p:txBody>
+      </p:sp>
+      <p:sp>
+        <p:nvSpPr>
+          <p:cNvPr id="16" name="矩形 15"/>
+          <p:cNvSpPr/>
+          <p:nvPr/>
+        </p:nvSpPr>
+        <p:spPr>
+          <a:xfrm>
+            <a:off x="899592" y="1196752"/>
+            <a:ext cx="1224000" cy="1224136"/>
+          </a:xfrm>
+          <a:prstGeom prst="rect">
+            <a:avLst/>
+          </a:prstGeom>
+          <a:ln>
+            <a:noFill/>
+          </a:ln>
+        </p:spPr>
+        <p:style>
+          <a:lnRef idx="2">
+            <a:schemeClr val="accent1">
+              <a:shade val="50000"/>
+            </a:schemeClr>
+          </a:lnRef>
+          <a:fillRef idx="1">
+            <a:schemeClr val="accent1"/>
+          </a:fillRef>
+          <a:effectRef idx="0">
+            <a:schemeClr val="accent1"/>
+          </a:effectRef>
+          <a:fontRef idx="minor">
+            <a:schemeClr val="lt1"/>
+          </a:fontRef>
+        </p:style>
+        <p:txBody>
+          <a:bodyPr rtlCol="0" anchor="ctr"/>
+          <a:lstStyle/>
+          <a:p>
+            <a:pPr algn="ctr"/>
+            <a:endParaRPr lang="zh-CN" altLang="en-US"/>
+          </a:p>
+        </p:txBody>
+      </p:sp>
+      <p:sp>
+        <p:nvSpPr>
+          <p:cNvPr id="17" name="矩形 16"/>
+          <p:cNvSpPr>
+            <a:spLocks noChangeAspect="1"/>
+          </p:cNvSpPr>
+          <p:nvPr/>
+        </p:nvSpPr>
+        <p:spPr>
+          <a:xfrm>
+            <a:off x="899592" y="5229008"/>
+            <a:ext cx="504056" cy="504056"/>
+          </a:xfrm>
+          <a:prstGeom prst="rect">
+            <a:avLst/>
+          </a:prstGeom>
+          <a:solidFill>
+            <a:schemeClr val="accent3"/>
+          </a:solidFill>
+          <a:ln>
+            <a:noFill/>
+          </a:ln>
+          <a:effectLst>
+            <a:outerShdw blurRad="50800" dist="38100" dir="8100000" algn="tr" rotWithShape="0">
+              <a:prstClr val="black">
+                <a:alpha val="40000"/>
+              </a:prstClr>
+            </a:outerShdw>
+          </a:effectLst>
+        </p:spPr>
+        <p:style>
+          <a:lnRef idx="2">
+            <a:schemeClr val="accent1">
+              <a:shade val="50000"/>
+            </a:schemeClr>
+          </a:lnRef>
+          <a:fillRef idx="1">
+            <a:schemeClr val="accent1"/>
+          </a:fillRef>
+          <a:effectRef idx="0">
+            <a:schemeClr val="accent1"/>
+          </a:effectRef>
+          <a:fontRef idx="minor">
+            <a:schemeClr val="lt1"/>
+          </a:fontRef>
+        </p:style>
+        <p:txBody>
+          <a:bodyPr rtlCol="0" anchor="ctr"/>
+          <a:lstStyle/>
+          <a:p>
+            <a:pPr algn="ctr"/>
+            <a:endParaRPr lang="zh-CN" altLang="en-US"/>
+          </a:p>
+        </p:txBody>
+      </p:sp>
+      <p:sp>
+        <p:nvSpPr>
+          <p:cNvPr id="18" name="矩形 17"/>
+          <p:cNvSpPr>
+            <a:spLocks noChangeAspect="1"/>
+          </p:cNvSpPr>
+          <p:nvPr/>
+        </p:nvSpPr>
+        <p:spPr>
+          <a:xfrm>
+            <a:off x="899592" y="4725144"/>
+            <a:ext cx="504056" cy="504056"/>
+          </a:xfrm>
+          <a:prstGeom prst="rect">
+            <a:avLst/>
+          </a:prstGeom>
+          <a:ln>
+            <a:noFill/>
+          </a:ln>
+          <a:effectLst>
+            <a:outerShdw blurRad="50800" dist="38100" dir="13500000" algn="br" rotWithShape="0">
+              <a:prstClr val="black">
+                <a:alpha val="40000"/>
+              </a:prstClr>
+            </a:outerShdw>
+          </a:effectLst>
+        </p:spPr>
+        <p:style>
+          <a:lnRef idx="2">
+            <a:schemeClr val="accent1">
+              <a:shade val="50000"/>
+            </a:schemeClr>
+          </a:lnRef>
+          <a:fillRef idx="1">
+            <a:schemeClr val="accent1"/>
+          </a:fillRef>
+          <a:effectRef idx="0">
+            <a:schemeClr val="accent1"/>
+          </a:effectRef>
+          <a:fontRef idx="minor">
+            <a:schemeClr val="lt1"/>
+          </a:fontRef>
+        </p:style>
+        <p:txBody>
+          <a:bodyPr rtlCol="0" anchor="ctr"/>
+          <a:lstStyle/>
+          <a:p>
+            <a:pPr algn="ctr"/>
+            <a:endParaRPr lang="zh-CN" altLang="en-US"/>
+          </a:p>
+        </p:txBody>
+      </p:sp>
+      <p:sp>
+        <p:nvSpPr>
+          <p:cNvPr id="19" name="矩形 18"/>
+          <p:cNvSpPr>
+            <a:spLocks noChangeAspect="1"/>
+          </p:cNvSpPr>
+          <p:nvPr/>
+        </p:nvSpPr>
+        <p:spPr>
+          <a:xfrm>
+            <a:off x="1403648" y="5229200"/>
+            <a:ext cx="504056" cy="504056"/>
+          </a:xfrm>
+          <a:prstGeom prst="rect">
+            <a:avLst/>
+          </a:prstGeom>
+          <a:solidFill>
+            <a:schemeClr val="accent4"/>
+          </a:solidFill>
+          <a:ln>
+            <a:noFill/>
+          </a:ln>
+          <a:effectLst>
+            <a:outerShdw blurRad="50800" dist="38100" dir="2700000" algn="tl" rotWithShape="0">
+              <a:prstClr val="black">
+                <a:alpha val="40000"/>
+              </a:prstClr>
+            </a:outerShdw>
+          </a:effectLst>
+        </p:spPr>
+        <p:style>
+          <a:lnRef idx="2">
+            <a:schemeClr val="accent1">
+              <a:shade val="50000"/>
+            </a:schemeClr>
+          </a:lnRef>
+          <a:fillRef idx="1">
+            <a:schemeClr val="accent1"/>
+          </a:fillRef>
+          <a:effectRef idx="0">
+            <a:schemeClr val="accent1"/>
+          </a:effectRef>
+          <a:fontRef idx="minor">
+            <a:schemeClr val="lt1"/>
+          </a:fontRef>
+        </p:style>
+        <p:txBody>
+          <a:bodyPr rtlCol="0" anchor="ctr"/>
+          <a:lstStyle/>
+          <a:p>
+            <a:pPr algn="ctr"/>
+            <a:endParaRPr lang="zh-CN" altLang="en-US"/>
+          </a:p>
+        </p:txBody>
+      </p:sp>
+      <p:sp>
+        <p:nvSpPr>
+          <p:cNvPr id="20" name="矩形 19"/>
+          <p:cNvSpPr>
+            <a:spLocks noChangeAspect="1"/>
+          </p:cNvSpPr>
+          <p:nvPr/>
+        </p:nvSpPr>
+        <p:spPr>
+          <a:xfrm>
+            <a:off x="1403648" y="4725144"/>
+            <a:ext cx="504056" cy="504056"/>
+          </a:xfrm>
+          <a:prstGeom prst="rect">
+            <a:avLst/>
+          </a:prstGeom>
+          <a:solidFill>
+            <a:schemeClr val="accent6">
+              <a:lumMod val="75000"/>
+            </a:schemeClr>
+          </a:solidFill>
+          <a:ln>
+            <a:noFill/>
+          </a:ln>
+          <a:effectLst>
+            <a:outerShdw blurRad="50800" dist="38100" dir="18900000" algn="bl" rotWithShape="0">
+              <a:prstClr val="black">
+                <a:alpha val="40000"/>
+              </a:prstClr>
+            </a:outerShdw>
+          </a:effectLst>
+        </p:spPr>
+        <p:style>
+          <a:lnRef idx="2">
+            <a:schemeClr val="accent1">
+              <a:shade val="50000"/>
+            </a:schemeClr>
+          </a:lnRef>
+          <a:fillRef idx="1">
+            <a:schemeClr val="accent1"/>
+          </a:fillRef>
+          <a:effectRef idx="0">
+            <a:schemeClr val="accent1"/>
+          </a:effectRef>
+          <a:fontRef idx="minor">
+            <a:schemeClr val="lt1"/>
+          </a:fontRef>
+        </p:style>
+        <p:txBody>
+          <a:bodyPr rtlCol="0" anchor="ctr"/>
+          <a:lstStyle/>
+          <a:p>
+            <a:pPr algn="ctr"/>
+            <a:endParaRPr lang="zh-CN" altLang="en-US"/>
+          </a:p>
+        </p:txBody>
+      </p:sp>
+    </p:spTree>
+  </p:cSld>
+  <p:clrMapOvr>
+    <a:masterClrMapping/>
+  </p:clrMapOvr>
+  <p:timing>
+    <p:tnLst>
+      <p:par>
+        <p:cTn id="1" dur="indefinite" restart="never" nodeType="tmRoot"/>
+      </p:par>
+    </p:tnLst>
+  </p:timing>
 </p:sld>
 </file>
 

--- a/poster.pptx
+++ b/poster.pptx
@@ -198,7 +198,7 @@
             <a:fld id="{3A717201-49CA-46AE-A68E-D969A1D8D135}" type="datetimeFigureOut">
               <a:rPr lang="zh-CN" altLang="en-US" smtClean="0"/>
               <a:pPr/>
-              <a:t>2016-11-7</a:t>
+              <a:t>2016/11/7</a:t>
             </a:fld>
             <a:endParaRPr lang="zh-CN" altLang="en-US"/>
           </a:p>
@@ -646,7 +646,7 @@
             <a:fld id="{7CDCBD02-D446-496C-BEC0-2B552561EEEE}" type="datetimeFigureOut">
               <a:rPr lang="zh-CN" altLang="en-US" smtClean="0"/>
               <a:pPr/>
-              <a:t>2016-11-7</a:t>
+              <a:t>2016/11/7</a:t>
             </a:fld>
             <a:endParaRPr lang="zh-CN" altLang="en-US"/>
           </a:p>
@@ -813,7 +813,7 @@
             <a:fld id="{7CDCBD02-D446-496C-BEC0-2B552561EEEE}" type="datetimeFigureOut">
               <a:rPr lang="zh-CN" altLang="en-US" smtClean="0"/>
               <a:pPr/>
-              <a:t>2016-11-7</a:t>
+              <a:t>2016/11/7</a:t>
             </a:fld>
             <a:endParaRPr lang="zh-CN" altLang="en-US"/>
           </a:p>
@@ -990,7 +990,7 @@
             <a:fld id="{7CDCBD02-D446-496C-BEC0-2B552561EEEE}" type="datetimeFigureOut">
               <a:rPr lang="zh-CN" altLang="en-US" smtClean="0"/>
               <a:pPr/>
-              <a:t>2016-11-7</a:t>
+              <a:t>2016/11/7</a:t>
             </a:fld>
             <a:endParaRPr lang="zh-CN" altLang="en-US"/>
           </a:p>
@@ -1157,7 +1157,7 @@
             <a:fld id="{7CDCBD02-D446-496C-BEC0-2B552561EEEE}" type="datetimeFigureOut">
               <a:rPr lang="zh-CN" altLang="en-US" smtClean="0"/>
               <a:pPr/>
-              <a:t>2016-11-7</a:t>
+              <a:t>2016/11/7</a:t>
             </a:fld>
             <a:endParaRPr lang="zh-CN" altLang="en-US"/>
           </a:p>
@@ -1400,7 +1400,7 @@
             <a:fld id="{7CDCBD02-D446-496C-BEC0-2B552561EEEE}" type="datetimeFigureOut">
               <a:rPr lang="zh-CN" altLang="en-US" smtClean="0"/>
               <a:pPr/>
-              <a:t>2016-11-7</a:t>
+              <a:t>2016/11/7</a:t>
             </a:fld>
             <a:endParaRPr lang="zh-CN" altLang="en-US"/>
           </a:p>
@@ -1685,7 +1685,7 @@
             <a:fld id="{7CDCBD02-D446-496C-BEC0-2B552561EEEE}" type="datetimeFigureOut">
               <a:rPr lang="zh-CN" altLang="en-US" smtClean="0"/>
               <a:pPr/>
-              <a:t>2016-11-7</a:t>
+              <a:t>2016/11/7</a:t>
             </a:fld>
             <a:endParaRPr lang="zh-CN" altLang="en-US"/>
           </a:p>
@@ -2104,7 +2104,7 @@
             <a:fld id="{7CDCBD02-D446-496C-BEC0-2B552561EEEE}" type="datetimeFigureOut">
               <a:rPr lang="zh-CN" altLang="en-US" smtClean="0"/>
               <a:pPr/>
-              <a:t>2016-11-7</a:t>
+              <a:t>2016/11/7</a:t>
             </a:fld>
             <a:endParaRPr lang="zh-CN" altLang="en-US"/>
           </a:p>
@@ -2219,7 +2219,7 @@
             <a:fld id="{7CDCBD02-D446-496C-BEC0-2B552561EEEE}" type="datetimeFigureOut">
               <a:rPr lang="zh-CN" altLang="en-US" smtClean="0"/>
               <a:pPr/>
-              <a:t>2016-11-7</a:t>
+              <a:t>2016/11/7</a:t>
             </a:fld>
             <a:endParaRPr lang="zh-CN" altLang="en-US"/>
           </a:p>
@@ -2311,7 +2311,7 @@
             <a:fld id="{7CDCBD02-D446-496C-BEC0-2B552561EEEE}" type="datetimeFigureOut">
               <a:rPr lang="zh-CN" altLang="en-US" smtClean="0"/>
               <a:pPr/>
-              <a:t>2016-11-7</a:t>
+              <a:t>2016/11/7</a:t>
             </a:fld>
             <a:endParaRPr lang="zh-CN" altLang="en-US"/>
           </a:p>
@@ -2585,7 +2585,7 @@
             <a:fld id="{7CDCBD02-D446-496C-BEC0-2B552561EEEE}" type="datetimeFigureOut">
               <a:rPr lang="zh-CN" altLang="en-US" smtClean="0"/>
               <a:pPr/>
-              <a:t>2016-11-7</a:t>
+              <a:t>2016/11/7</a:t>
             </a:fld>
             <a:endParaRPr lang="zh-CN" altLang="en-US"/>
           </a:p>
@@ -2835,7 +2835,7 @@
             <a:fld id="{7CDCBD02-D446-496C-BEC0-2B552561EEEE}" type="datetimeFigureOut">
               <a:rPr lang="zh-CN" altLang="en-US" smtClean="0"/>
               <a:pPr/>
-              <a:t>2016-11-7</a:t>
+              <a:t>2016/11/7</a:t>
             </a:fld>
             <a:endParaRPr lang="zh-CN" altLang="en-US"/>
           </a:p>
@@ -3045,7 +3045,7 @@
             <a:fld id="{7CDCBD02-D446-496C-BEC0-2B552561EEEE}" type="datetimeFigureOut">
               <a:rPr lang="zh-CN" altLang="en-US" smtClean="0"/>
               <a:pPr/>
-              <a:t>2016-11-7</a:t>
+              <a:t>2016/11/7</a:t>
             </a:fld>
             <a:endParaRPr lang="zh-CN" altLang="en-US"/>
           </a:p>
@@ -6678,17 +6678,7 @@
                 <a:latin typeface="微软雅黑" pitchFamily="34" charset="-122"/>
                 <a:ea typeface="微软雅黑" pitchFamily="34" charset="-122"/>
               </a:rPr>
-              <a:t>游戏</a:t>
-            </a:r>
-            <a:r>
-              <a:rPr lang="zh-CN" altLang="en-US" sz="3600" dirty="0" smtClean="0">
-                <a:solidFill>
-                  <a:srgbClr val="92D050"/>
-                </a:solidFill>
-                <a:latin typeface="微软雅黑" pitchFamily="34" charset="-122"/>
-                <a:ea typeface="微软雅黑" pitchFamily="34" charset="-122"/>
-              </a:rPr>
-              <a:t>工作坊</a:t>
+              <a:t>游戏工作坊</a:t>
             </a:r>
             <a:endParaRPr lang="zh-CN" altLang="en-US" sz="3600" dirty="0">
               <a:solidFill>
@@ -6744,7 +6734,7 @@
         <p:spPr>
           <a:xfrm>
             <a:off x="539552" y="3789040"/>
-            <a:ext cx="4176464" cy="874407"/>
+            <a:ext cx="4176464" cy="923330"/>
           </a:xfrm>
           <a:prstGeom prst="rect">
             <a:avLst/>
@@ -6794,7 +6784,37 @@
                 <a:latin typeface="微软雅黑" pitchFamily="34" charset="-122"/>
                 <a:ea typeface="微软雅黑" pitchFamily="34" charset="-122"/>
               </a:rPr>
-              <a:t>欢迎有兴趣的小伙伴报名！</a:t>
+              <a:t>请</a:t>
+            </a:r>
+            <a:r>
+              <a:rPr lang="zh-CN" altLang="en-US" dirty="0" smtClean="0">
+                <a:solidFill>
+                  <a:schemeClr val="bg1"/>
+                </a:solidFill>
+                <a:latin typeface="微软雅黑" pitchFamily="34" charset="-122"/>
+                <a:ea typeface="微软雅黑" pitchFamily="34" charset="-122"/>
+              </a:rPr>
+              <a:t>有</a:t>
+            </a:r>
+            <a:r>
+              <a:rPr lang="zh-CN" altLang="en-US" dirty="0" smtClean="0">
+                <a:solidFill>
+                  <a:schemeClr val="bg1"/>
+                </a:solidFill>
+                <a:latin typeface="微软雅黑" pitchFamily="34" charset="-122"/>
+                <a:ea typeface="微软雅黑" pitchFamily="34" charset="-122"/>
+              </a:rPr>
+              <a:t>兴趣的小伙伴报</a:t>
+            </a:r>
+            <a:r>
+              <a:rPr lang="zh-CN" altLang="en-US" dirty="0" smtClean="0">
+                <a:solidFill>
+                  <a:schemeClr val="bg1"/>
+                </a:solidFill>
+                <a:latin typeface="微软雅黑" pitchFamily="34" charset="-122"/>
+                <a:ea typeface="微软雅黑" pitchFamily="34" charset="-122"/>
+              </a:rPr>
+              <a:t>名加入！</a:t>
             </a:r>
             <a:endParaRPr lang="zh-CN" altLang="en-US" dirty="0">
               <a:solidFill>
@@ -6861,8 +6881,22 @@
                 <a:latin typeface="微软雅黑" pitchFamily="34" charset="-122"/>
                 <a:ea typeface="微软雅黑" pitchFamily="34" charset="-122"/>
               </a:rPr>
-              <a:t>）将</a:t>
-            </a:r>
+              <a:t>）将游戏设计的手段应用于非游戏的场景，用游戏的框架，来解决工作生活中一切非游戏的问题。游戏化本质上是一种方法，一种思维方式，它可以应用到任何领域。</a:t>
+            </a:r>
+            <a:endParaRPr lang="en-US" altLang="zh-CN" sz="1600" dirty="0" smtClean="0">
+              <a:solidFill>
+                <a:schemeClr val="bg1"/>
+              </a:solidFill>
+              <a:latin typeface="微软雅黑" pitchFamily="34" charset="-122"/>
+              <a:ea typeface="微软雅黑" pitchFamily="34" charset="-122"/>
+            </a:endParaRPr>
+          </a:p>
+          <a:p>
+            <a:pPr>
+              <a:lnSpc>
+                <a:spcPct val="150000"/>
+              </a:lnSpc>
+            </a:pPr>
             <a:r>
               <a:rPr lang="zh-CN" altLang="en-US" sz="1600" dirty="0" smtClean="0">
                 <a:solidFill>
@@ -6871,7 +6905,7 @@
                 <a:latin typeface="微软雅黑" pitchFamily="34" charset="-122"/>
                 <a:ea typeface="微软雅黑" pitchFamily="34" charset="-122"/>
               </a:rPr>
-              <a:t>游戏设计的手段应用于非游戏的</a:t>
+              <a:t>在游戏工作坊中，我</a:t>
             </a:r>
             <a:r>
               <a:rPr lang="zh-CN" altLang="en-US" sz="1600" dirty="0" smtClean="0">
@@ -6881,7 +6915,7 @@
                 <a:latin typeface="微软雅黑" pitchFamily="34" charset="-122"/>
                 <a:ea typeface="微软雅黑" pitchFamily="34" charset="-122"/>
               </a:rPr>
-              <a:t>场景，用</a:t>
+              <a:t>们尝</a:t>
             </a:r>
             <a:r>
               <a:rPr lang="zh-CN" altLang="en-US" sz="1600" dirty="0" smtClean="0">
@@ -6891,61 +6925,7 @@
                 <a:latin typeface="微软雅黑" pitchFamily="34" charset="-122"/>
                 <a:ea typeface="微软雅黑" pitchFamily="34" charset="-122"/>
               </a:rPr>
-              <a:t>游戏的框架，来解决工作生活中一切非游戏的</a:t>
-            </a:r>
-            <a:r>
-              <a:rPr lang="zh-CN" altLang="en-US" sz="1600" dirty="0" smtClean="0">
-                <a:solidFill>
-                  <a:schemeClr val="bg1"/>
-                </a:solidFill>
-                <a:latin typeface="微软雅黑" pitchFamily="34" charset="-122"/>
-                <a:ea typeface="微软雅黑" pitchFamily="34" charset="-122"/>
-              </a:rPr>
-              <a:t>问题。游戏</a:t>
-            </a:r>
-            <a:r>
-              <a:rPr lang="zh-CN" altLang="en-US" sz="1600" dirty="0" smtClean="0">
-                <a:solidFill>
-                  <a:schemeClr val="bg1"/>
-                </a:solidFill>
-                <a:latin typeface="微软雅黑" pitchFamily="34" charset="-122"/>
-                <a:ea typeface="微软雅黑" pitchFamily="34" charset="-122"/>
-              </a:rPr>
-              <a:t>化本质上是一种方法，一种思维方式，它可以应用到任何领域</a:t>
-            </a:r>
-            <a:r>
-              <a:rPr lang="zh-CN" altLang="en-US" sz="1600" dirty="0" smtClean="0">
-                <a:solidFill>
-                  <a:schemeClr val="bg1"/>
-                </a:solidFill>
-                <a:latin typeface="微软雅黑" pitchFamily="34" charset="-122"/>
-                <a:ea typeface="微软雅黑" pitchFamily="34" charset="-122"/>
-              </a:rPr>
-              <a:t>。</a:t>
-            </a:r>
-            <a:endParaRPr lang="en-US" altLang="zh-CN" sz="1600" dirty="0" smtClean="0">
-              <a:solidFill>
-                <a:schemeClr val="bg1"/>
-              </a:solidFill>
-              <a:latin typeface="微软雅黑" pitchFamily="34" charset="-122"/>
-              <a:ea typeface="微软雅黑" pitchFamily="34" charset="-122"/>
-            </a:endParaRPr>
-          </a:p>
-          <a:p>
-            <a:pPr>
-              <a:lnSpc>
-                <a:spcPct val="150000"/>
-              </a:lnSpc>
-            </a:pPr>
-            <a:r>
-              <a:rPr lang="zh-CN" altLang="en-US" sz="1600" dirty="0" smtClean="0">
-                <a:solidFill>
-                  <a:schemeClr val="bg1"/>
-                </a:solidFill>
-                <a:latin typeface="微软雅黑" pitchFamily="34" charset="-122"/>
-                <a:ea typeface="微软雅黑" pitchFamily="34" charset="-122"/>
-              </a:rPr>
-              <a:t>在游戏工作坊中，我们将尝试将其引入软件开发团队的组织和运作中。</a:t>
+              <a:t>试将其引入软件开发团队的组织和运作中。</a:t>
             </a:r>
             <a:endParaRPr lang="zh-CN" altLang="en-US" sz="1600" dirty="0">
               <a:solidFill>
@@ -7639,7 +7619,7 @@
         <a:sysClr val="windowText" lastClr="000000"/>
       </a:dk1>
       <a:lt1>
-        <a:sysClr val="window" lastClr="C7EDCC"/>
+        <a:sysClr val="window" lastClr="CCE8CF"/>
       </a:lt1>
       <a:dk2>
         <a:srgbClr val="1F497D"/>
@@ -7922,7 +7902,7 @@
         <a:sysClr val="windowText" lastClr="000000"/>
       </a:dk1>
       <a:lt1>
-        <a:sysClr val="window" lastClr="C7EDCC"/>
+        <a:sysClr val="window" lastClr="CCE8CF"/>
       </a:lt1>
       <a:dk2>
         <a:srgbClr val="1F497D"/>
